--- a/OlympicGames.pptx
+++ b/OlympicGames.pptx
@@ -108,6 +108,11 @@
       </a:defRPr>
     </a:lvl9pPr>
   </p:defaultTextStyle>
+  <p:extLst>
+    <p:ext uri="{EFAFB233-063F-42B5-8137-9DF3F51BA10A}">
+      <p15:sldGuideLst xmlns:p15="http://schemas.microsoft.com/office/powerpoint/2012/main"/>
+    </p:ext>
+  </p:extLst>
 </p:presentation>
 </file>
 
@@ -157,7 +162,7 @@
           </a:lstStyle>
           <a:p>
             <a:r>
-              <a:rPr lang="bg-BG" smtClean="0"/>
+              <a:rPr lang="bg-BG"/>
               <a:t>Редакт. стил загл. образец</a:t>
             </a:r>
             <a:endParaRPr lang="en-US" dirty="0"/>
@@ -278,7 +283,7 @@
           </a:lstStyle>
           <a:p>
             <a:r>
-              <a:rPr lang="bg-BG" smtClean="0"/>
+              <a:rPr lang="bg-BG"/>
               <a:t>Щракнете, за да редактирате стила на подзаглавието в образеца</a:t>
             </a:r>
             <a:endParaRPr lang="en-US" dirty="0"/>
@@ -303,7 +308,7 @@
             <a:fld id="{B61BEF0D-F0BB-DE4B-95CE-6DB70DBA9567}" type="datetimeFigureOut">
               <a:rPr lang="en-US" dirty="0"/>
               <a:pPr/>
-              <a:t>5/30/2020</a:t>
+              <a:t>5/31/2020</a:t>
             </a:fld>
             <a:endParaRPr lang="en-US" dirty="0"/>
           </a:p>
@@ -568,7 +573,7 @@
           <a:lstStyle/>
           <a:p>
             <a:r>
-              <a:rPr lang="bg-BG" smtClean="0"/>
+              <a:rPr lang="bg-BG"/>
               <a:t>Редакт. стил загл. образец</a:t>
             </a:r>
             <a:endParaRPr lang="en-US" dirty="0"/>
@@ -655,7 +660,7 @@
           </a:lstStyle>
           <a:p>
             <a:r>
-              <a:rPr lang="bg-BG" smtClean="0"/>
+              <a:rPr lang="bg-BG"/>
               <a:t>Щракнете върху иконата, за да добавите картина</a:t>
             </a:r>
             <a:endParaRPr lang="en-US" dirty="0"/>
@@ -712,7 +717,7 @@
           <a:p>
             <a:pPr lvl="0"/>
             <a:r>
-              <a:rPr lang="bg-BG" smtClean="0"/>
+              <a:rPr lang="bg-BG"/>
               <a:t>Редактиране на стиловете на текста в образеца</a:t>
             </a:r>
           </a:p>
@@ -736,7 +741,7 @@
             <a:fld id="{B61BEF0D-F0BB-DE4B-95CE-6DB70DBA9567}" type="datetimeFigureOut">
               <a:rPr lang="en-US" dirty="0"/>
               <a:pPr/>
-              <a:t>5/30/2020</a:t>
+              <a:t>5/31/2020</a:t>
             </a:fld>
             <a:endParaRPr lang="en-US" dirty="0"/>
           </a:p>
@@ -837,7 +842,7 @@
           </a:lstStyle>
           <a:p>
             <a:r>
-              <a:rPr lang="bg-BG" smtClean="0"/>
+              <a:rPr lang="bg-BG"/>
               <a:t>Редакт. стил загл. образец</a:t>
             </a:r>
             <a:endParaRPr lang="en-US" dirty="0"/>
@@ -959,7 +964,7 @@
           <a:p>
             <a:pPr lvl="0"/>
             <a:r>
-              <a:rPr lang="bg-BG" smtClean="0"/>
+              <a:rPr lang="bg-BG"/>
               <a:t>Редактиране на стиловете на текста в образеца</a:t>
             </a:r>
           </a:p>
@@ -983,7 +988,7 @@
             <a:fld id="{B61BEF0D-F0BB-DE4B-95CE-6DB70DBA9567}" type="datetimeFigureOut">
               <a:rPr lang="en-US" dirty="0"/>
               <a:pPr/>
-              <a:t>5/30/2020</a:t>
+              <a:t>5/31/2020</a:t>
             </a:fld>
             <a:endParaRPr lang="en-US" dirty="0"/>
           </a:p>
@@ -1088,7 +1093,7 @@
           </a:lstStyle>
           <a:p>
             <a:r>
-              <a:rPr lang="bg-BG" smtClean="0"/>
+              <a:rPr lang="bg-BG"/>
               <a:t>Редакт. стил загл. образец</a:t>
             </a:r>
             <a:endParaRPr lang="en-US" dirty="0"/>
@@ -1143,7 +1148,7 @@
           <a:p>
             <a:pPr lvl="0"/>
             <a:r>
-              <a:rPr lang="bg-BG" smtClean="0"/>
+              <a:rPr lang="bg-BG"/>
               <a:t>Редактиране на стиловете на текста в образеца</a:t>
             </a:r>
           </a:p>
@@ -1264,7 +1269,7 @@
           <a:p>
             <a:pPr lvl="0"/>
             <a:r>
-              <a:rPr lang="bg-BG" smtClean="0"/>
+              <a:rPr lang="bg-BG"/>
               <a:t>Редактиране на стиловете на текста в образеца</a:t>
             </a:r>
           </a:p>
@@ -1288,7 +1293,7 @@
             <a:fld id="{B61BEF0D-F0BB-DE4B-95CE-6DB70DBA9567}" type="datetimeFigureOut">
               <a:rPr lang="en-US" dirty="0"/>
               <a:pPr/>
-              <a:t>5/30/2020</a:t>
+              <a:t>5/31/2020</a:t>
             </a:fld>
             <a:endParaRPr lang="en-US" dirty="0"/>
           </a:p>
@@ -1457,7 +1462,7 @@
           </a:lstStyle>
           <a:p>
             <a:r>
-              <a:rPr lang="bg-BG" smtClean="0"/>
+              <a:rPr lang="bg-BG"/>
               <a:t>Редакт. стил загл. образец</a:t>
             </a:r>
             <a:endParaRPr lang="en-US" dirty="0"/>
@@ -1579,7 +1584,7 @@
           <a:p>
             <a:pPr lvl="0"/>
             <a:r>
-              <a:rPr lang="bg-BG" smtClean="0"/>
+              <a:rPr lang="bg-BG"/>
               <a:t>Редактиране на стиловете на текста в образеца</a:t>
             </a:r>
           </a:p>
@@ -1603,7 +1608,7 @@
             <a:fld id="{B61BEF0D-F0BB-DE4B-95CE-6DB70DBA9567}" type="datetimeFigureOut">
               <a:rPr lang="en-US" dirty="0"/>
               <a:pPr/>
-              <a:t>5/30/2020</a:t>
+              <a:t>5/31/2020</a:t>
             </a:fld>
             <a:endParaRPr lang="en-US" dirty="0"/>
           </a:p>
@@ -1708,7 +1713,7 @@
           </a:lstStyle>
           <a:p>
             <a:r>
-              <a:rPr lang="bg-BG" smtClean="0"/>
+              <a:rPr lang="bg-BG"/>
               <a:t>Редакт. стил загл. образец</a:t>
             </a:r>
             <a:endParaRPr lang="en-US" dirty="0"/>
@@ -1757,7 +1762,7 @@
               <a:buNone/>
             </a:pPr>
             <a:r>
-              <a:rPr lang="bg-BG" smtClean="0"/>
+              <a:rPr lang="bg-BG"/>
               <a:t>Редактиране на стиловете на текста в образеца</a:t>
             </a:r>
           </a:p>
@@ -1878,7 +1883,7 @@
           <a:p>
             <a:pPr lvl="0"/>
             <a:r>
-              <a:rPr lang="bg-BG" smtClean="0"/>
+              <a:rPr lang="bg-BG"/>
               <a:t>Редактиране на стиловете на текста в образеца</a:t>
             </a:r>
           </a:p>
@@ -1902,7 +1907,7 @@
             <a:fld id="{B61BEF0D-F0BB-DE4B-95CE-6DB70DBA9567}" type="datetimeFigureOut">
               <a:rPr lang="en-US" dirty="0"/>
               <a:pPr/>
-              <a:t>5/30/2020</a:t>
+              <a:t>5/31/2020</a:t>
             </a:fld>
             <a:endParaRPr lang="en-US" dirty="0"/>
           </a:p>
@@ -2072,7 +2077,7 @@
           <a:p>
             <a:pPr marL="0" lvl="0"/>
             <a:r>
-              <a:rPr lang="bg-BG" smtClean="0"/>
+              <a:rPr lang="bg-BG"/>
               <a:t>Редакт. стил загл. образец</a:t>
             </a:r>
             <a:endParaRPr lang="en-US" dirty="0"/>
@@ -2121,7 +2126,7 @@
               <a:buNone/>
             </a:pPr>
             <a:r>
-              <a:rPr lang="bg-BG" smtClean="0"/>
+              <a:rPr lang="bg-BG"/>
               <a:t>Редактиране на стиловете на текста в образеца</a:t>
             </a:r>
           </a:p>
@@ -2242,7 +2247,7 @@
           <a:p>
             <a:pPr lvl="0"/>
             <a:r>
-              <a:rPr lang="bg-BG" smtClean="0"/>
+              <a:rPr lang="bg-BG"/>
               <a:t>Редактиране на стиловете на текста в образеца</a:t>
             </a:r>
           </a:p>
@@ -2266,7 +2271,7 @@
             <a:fld id="{B61BEF0D-F0BB-DE4B-95CE-6DB70DBA9567}" type="datetimeFigureOut">
               <a:rPr lang="en-US" dirty="0"/>
               <a:pPr/>
-              <a:t>5/30/2020</a:t>
+              <a:t>5/31/2020</a:t>
             </a:fld>
             <a:endParaRPr lang="en-US" dirty="0"/>
           </a:p>
@@ -2360,7 +2365,7 @@
           </a:lstStyle>
           <a:p>
             <a:r>
-              <a:rPr lang="bg-BG" smtClean="0"/>
+              <a:rPr lang="bg-BG"/>
               <a:t>Редакт. стил загл. образец</a:t>
             </a:r>
             <a:endParaRPr lang="en-US" dirty="0"/>
@@ -2384,35 +2389,35 @@
           <a:p>
             <a:pPr lvl="0"/>
             <a:r>
-              <a:rPr lang="bg-BG" smtClean="0"/>
+              <a:rPr lang="bg-BG"/>
               <a:t>Редактиране на стиловете на текста в образеца</a:t>
             </a:r>
           </a:p>
           <a:p>
             <a:pPr lvl="1"/>
             <a:r>
-              <a:rPr lang="bg-BG" smtClean="0"/>
+              <a:rPr lang="bg-BG"/>
               <a:t>Второ ниво</a:t>
             </a:r>
           </a:p>
           <a:p>
             <a:pPr lvl="2"/>
             <a:r>
-              <a:rPr lang="bg-BG" smtClean="0"/>
+              <a:rPr lang="bg-BG"/>
               <a:t>Трето ниво</a:t>
             </a:r>
           </a:p>
           <a:p>
             <a:pPr lvl="3"/>
             <a:r>
-              <a:rPr lang="bg-BG" smtClean="0"/>
+              <a:rPr lang="bg-BG"/>
               <a:t>Четвърто ниво</a:t>
             </a:r>
           </a:p>
           <a:p>
             <a:pPr lvl="4"/>
             <a:r>
-              <a:rPr lang="bg-BG" smtClean="0"/>
+              <a:rPr lang="bg-BG"/>
               <a:t>Пето ниво</a:t>
             </a:r>
             <a:endParaRPr lang="en-US" dirty="0"/>
@@ -2437,7 +2442,7 @@
             <a:fld id="{B61BEF0D-F0BB-DE4B-95CE-6DB70DBA9567}" type="datetimeFigureOut">
               <a:rPr lang="en-US" dirty="0"/>
               <a:pPr/>
-              <a:t>5/30/2020</a:t>
+              <a:t>5/31/2020</a:t>
             </a:fld>
             <a:endParaRPr lang="en-US" dirty="0"/>
           </a:p>
@@ -2532,7 +2537,7 @@
           <a:lstStyle/>
           <a:p>
             <a:r>
-              <a:rPr lang="bg-BG" smtClean="0"/>
+              <a:rPr lang="bg-BG"/>
               <a:t>Редакт. стил загл. образец</a:t>
             </a:r>
             <a:endParaRPr lang="en-US" dirty="0"/>
@@ -2561,35 +2566,35 @@
           <a:p>
             <a:pPr lvl="0"/>
             <a:r>
-              <a:rPr lang="bg-BG" smtClean="0"/>
+              <a:rPr lang="bg-BG"/>
               <a:t>Редактиране на стиловете на текста в образеца</a:t>
             </a:r>
           </a:p>
           <a:p>
             <a:pPr lvl="1"/>
             <a:r>
-              <a:rPr lang="bg-BG" smtClean="0"/>
+              <a:rPr lang="bg-BG"/>
               <a:t>Второ ниво</a:t>
             </a:r>
           </a:p>
           <a:p>
             <a:pPr lvl="2"/>
             <a:r>
-              <a:rPr lang="bg-BG" smtClean="0"/>
+              <a:rPr lang="bg-BG"/>
               <a:t>Трето ниво</a:t>
             </a:r>
           </a:p>
           <a:p>
             <a:pPr lvl="3"/>
             <a:r>
-              <a:rPr lang="bg-BG" smtClean="0"/>
+              <a:rPr lang="bg-BG"/>
               <a:t>Четвърто ниво</a:t>
             </a:r>
           </a:p>
           <a:p>
             <a:pPr lvl="4"/>
             <a:r>
-              <a:rPr lang="bg-BG" smtClean="0"/>
+              <a:rPr lang="bg-BG"/>
               <a:t>Пето ниво</a:t>
             </a:r>
             <a:endParaRPr lang="en-US" dirty="0"/>
@@ -2614,7 +2619,7 @@
             <a:fld id="{B61BEF0D-F0BB-DE4B-95CE-6DB70DBA9567}" type="datetimeFigureOut">
               <a:rPr lang="en-US" dirty="0"/>
               <a:pPr/>
-              <a:t>5/30/2020</a:t>
+              <a:t>5/31/2020</a:t>
             </a:fld>
             <a:endParaRPr lang="en-US" dirty="0"/>
           </a:p>
@@ -2704,7 +2709,7 @@
           <a:lstStyle/>
           <a:p>
             <a:r>
-              <a:rPr lang="bg-BG" smtClean="0"/>
+              <a:rPr lang="bg-BG"/>
               <a:t>Редакт. стил загл. образец</a:t>
             </a:r>
             <a:endParaRPr lang="en-US" dirty="0"/>
@@ -2728,35 +2733,35 @@
           <a:p>
             <a:pPr lvl="0"/>
             <a:r>
-              <a:rPr lang="bg-BG" smtClean="0"/>
+              <a:rPr lang="bg-BG"/>
               <a:t>Редактиране на стиловете на текста в образеца</a:t>
             </a:r>
           </a:p>
           <a:p>
             <a:pPr lvl="1"/>
             <a:r>
-              <a:rPr lang="bg-BG" smtClean="0"/>
+              <a:rPr lang="bg-BG"/>
               <a:t>Второ ниво</a:t>
             </a:r>
           </a:p>
           <a:p>
             <a:pPr lvl="2"/>
             <a:r>
-              <a:rPr lang="bg-BG" smtClean="0"/>
+              <a:rPr lang="bg-BG"/>
               <a:t>Трето ниво</a:t>
             </a:r>
           </a:p>
           <a:p>
             <a:pPr lvl="3"/>
             <a:r>
-              <a:rPr lang="bg-BG" smtClean="0"/>
+              <a:rPr lang="bg-BG"/>
               <a:t>Четвърто ниво</a:t>
             </a:r>
           </a:p>
           <a:p>
             <a:pPr lvl="4"/>
             <a:r>
-              <a:rPr lang="bg-BG" smtClean="0"/>
+              <a:rPr lang="bg-BG"/>
               <a:t>Пето ниво</a:t>
             </a:r>
             <a:endParaRPr lang="en-US" dirty="0"/>
@@ -2781,7 +2786,7 @@
             <a:fld id="{B61BEF0D-F0BB-DE4B-95CE-6DB70DBA9567}" type="datetimeFigureOut">
               <a:rPr lang="en-US" dirty="0"/>
               <a:pPr/>
-              <a:t>5/30/2020</a:t>
+              <a:t>5/31/2020</a:t>
             </a:fld>
             <a:endParaRPr lang="en-US" dirty="0"/>
           </a:p>
@@ -2882,7 +2887,7 @@
           </a:lstStyle>
           <a:p>
             <a:r>
-              <a:rPr lang="bg-BG" smtClean="0"/>
+              <a:rPr lang="bg-BG"/>
               <a:t>Редакт. стил загл. образец</a:t>
             </a:r>
             <a:endParaRPr lang="en-US" dirty="0"/>
@@ -3004,7 +3009,7 @@
           <a:p>
             <a:pPr lvl="0"/>
             <a:r>
-              <a:rPr lang="bg-BG" smtClean="0"/>
+              <a:rPr lang="bg-BG"/>
               <a:t>Редактиране на стиловете на текста в образеца</a:t>
             </a:r>
           </a:p>
@@ -3028,7 +3033,7 @@
             <a:fld id="{B61BEF0D-F0BB-DE4B-95CE-6DB70DBA9567}" type="datetimeFigureOut">
               <a:rPr lang="en-US" dirty="0"/>
               <a:pPr/>
-              <a:t>5/30/2020</a:t>
+              <a:t>5/31/2020</a:t>
             </a:fld>
             <a:endParaRPr lang="en-US" dirty="0"/>
           </a:p>
@@ -3118,7 +3123,7 @@
           <a:lstStyle/>
           <a:p>
             <a:r>
-              <a:rPr lang="bg-BG" smtClean="0"/>
+              <a:rPr lang="bg-BG"/>
               <a:t>Редакт. стил загл. образец</a:t>
             </a:r>
             <a:endParaRPr lang="en-US" dirty="0"/>
@@ -3149,35 +3154,35 @@
           <a:p>
             <a:pPr lvl="0"/>
             <a:r>
-              <a:rPr lang="bg-BG" smtClean="0"/>
+              <a:rPr lang="bg-BG"/>
               <a:t>Редактиране на стиловете на текста в образеца</a:t>
             </a:r>
           </a:p>
           <a:p>
             <a:pPr lvl="1"/>
             <a:r>
-              <a:rPr lang="bg-BG" smtClean="0"/>
+              <a:rPr lang="bg-BG"/>
               <a:t>Второ ниво</a:t>
             </a:r>
           </a:p>
           <a:p>
             <a:pPr lvl="2"/>
             <a:r>
-              <a:rPr lang="bg-BG" smtClean="0"/>
+              <a:rPr lang="bg-BG"/>
               <a:t>Трето ниво</a:t>
             </a:r>
           </a:p>
           <a:p>
             <a:pPr lvl="3"/>
             <a:r>
-              <a:rPr lang="bg-BG" smtClean="0"/>
+              <a:rPr lang="bg-BG"/>
               <a:t>Четвърто ниво</a:t>
             </a:r>
           </a:p>
           <a:p>
             <a:pPr lvl="4"/>
             <a:r>
-              <a:rPr lang="bg-BG" smtClean="0"/>
+              <a:rPr lang="bg-BG"/>
               <a:t>Пето ниво</a:t>
             </a:r>
             <a:endParaRPr lang="en-US" dirty="0"/>
@@ -3208,35 +3213,35 @@
           <a:p>
             <a:pPr lvl="0"/>
             <a:r>
-              <a:rPr lang="bg-BG" smtClean="0"/>
+              <a:rPr lang="bg-BG"/>
               <a:t>Редактиране на стиловете на текста в образеца</a:t>
             </a:r>
           </a:p>
           <a:p>
             <a:pPr lvl="1"/>
             <a:r>
-              <a:rPr lang="bg-BG" smtClean="0"/>
+              <a:rPr lang="bg-BG"/>
               <a:t>Второ ниво</a:t>
             </a:r>
           </a:p>
           <a:p>
             <a:pPr lvl="2"/>
             <a:r>
-              <a:rPr lang="bg-BG" smtClean="0"/>
+              <a:rPr lang="bg-BG"/>
               <a:t>Трето ниво</a:t>
             </a:r>
           </a:p>
           <a:p>
             <a:pPr lvl="3"/>
             <a:r>
-              <a:rPr lang="bg-BG" smtClean="0"/>
+              <a:rPr lang="bg-BG"/>
               <a:t>Четвърто ниво</a:t>
             </a:r>
           </a:p>
           <a:p>
             <a:pPr lvl="4"/>
             <a:r>
-              <a:rPr lang="bg-BG" smtClean="0"/>
+              <a:rPr lang="bg-BG"/>
               <a:t>Пето ниво</a:t>
             </a:r>
             <a:endParaRPr lang="en-US" dirty="0"/>
@@ -3261,7 +3266,7 @@
             <a:fld id="{B61BEF0D-F0BB-DE4B-95CE-6DB70DBA9567}" type="datetimeFigureOut">
               <a:rPr lang="en-US" dirty="0"/>
               <a:pPr/>
-              <a:t>5/30/2020</a:t>
+              <a:t>5/31/2020</a:t>
             </a:fld>
             <a:endParaRPr lang="en-US" dirty="0"/>
           </a:p>
@@ -3355,7 +3360,7 @@
           </a:lstStyle>
           <a:p>
             <a:r>
-              <a:rPr lang="bg-BG" smtClean="0"/>
+              <a:rPr lang="bg-BG"/>
               <a:t>Редакт. стил загл. образец</a:t>
             </a:r>
             <a:endParaRPr lang="en-US" dirty="0"/>
@@ -3427,7 +3432,7 @@
           <a:p>
             <a:pPr lvl="0"/>
             <a:r>
-              <a:rPr lang="bg-BG" smtClean="0"/>
+              <a:rPr lang="bg-BG"/>
               <a:t>Редактиране на стиловете на текста в образеца</a:t>
             </a:r>
           </a:p>
@@ -3457,35 +3462,35 @@
           <a:p>
             <a:pPr lvl="0"/>
             <a:r>
-              <a:rPr lang="bg-BG" smtClean="0"/>
+              <a:rPr lang="bg-BG"/>
               <a:t>Редактиране на стиловете на текста в образеца</a:t>
             </a:r>
           </a:p>
           <a:p>
             <a:pPr lvl="1"/>
             <a:r>
-              <a:rPr lang="bg-BG" smtClean="0"/>
+              <a:rPr lang="bg-BG"/>
               <a:t>Второ ниво</a:t>
             </a:r>
           </a:p>
           <a:p>
             <a:pPr lvl="2"/>
             <a:r>
-              <a:rPr lang="bg-BG" smtClean="0"/>
+              <a:rPr lang="bg-BG"/>
               <a:t>Трето ниво</a:t>
             </a:r>
           </a:p>
           <a:p>
             <a:pPr lvl="3"/>
             <a:r>
-              <a:rPr lang="bg-BG" smtClean="0"/>
+              <a:rPr lang="bg-BG"/>
               <a:t>Четвърто ниво</a:t>
             </a:r>
           </a:p>
           <a:p>
             <a:pPr lvl="4"/>
             <a:r>
-              <a:rPr lang="bg-BG" smtClean="0"/>
+              <a:rPr lang="bg-BG"/>
               <a:t>Пето ниво</a:t>
             </a:r>
             <a:endParaRPr lang="en-US" dirty="0"/>
@@ -3557,7 +3562,7 @@
           <a:p>
             <a:pPr lvl="0"/>
             <a:r>
-              <a:rPr lang="bg-BG" smtClean="0"/>
+              <a:rPr lang="bg-BG"/>
               <a:t>Редактиране на стиловете на текста в образеца</a:t>
             </a:r>
           </a:p>
@@ -3587,35 +3592,35 @@
           <a:p>
             <a:pPr lvl="0"/>
             <a:r>
-              <a:rPr lang="bg-BG" smtClean="0"/>
+              <a:rPr lang="bg-BG"/>
               <a:t>Редактиране на стиловете на текста в образеца</a:t>
             </a:r>
           </a:p>
           <a:p>
             <a:pPr lvl="1"/>
             <a:r>
-              <a:rPr lang="bg-BG" smtClean="0"/>
+              <a:rPr lang="bg-BG"/>
               <a:t>Второ ниво</a:t>
             </a:r>
           </a:p>
           <a:p>
             <a:pPr lvl="2"/>
             <a:r>
-              <a:rPr lang="bg-BG" smtClean="0"/>
+              <a:rPr lang="bg-BG"/>
               <a:t>Трето ниво</a:t>
             </a:r>
           </a:p>
           <a:p>
             <a:pPr lvl="3"/>
             <a:r>
-              <a:rPr lang="bg-BG" smtClean="0"/>
+              <a:rPr lang="bg-BG"/>
               <a:t>Четвърто ниво</a:t>
             </a:r>
           </a:p>
           <a:p>
             <a:pPr lvl="4"/>
             <a:r>
-              <a:rPr lang="bg-BG" smtClean="0"/>
+              <a:rPr lang="bg-BG"/>
               <a:t>Пето ниво</a:t>
             </a:r>
             <a:endParaRPr lang="en-US" dirty="0"/>
@@ -3640,7 +3645,7 @@
             <a:fld id="{B61BEF0D-F0BB-DE4B-95CE-6DB70DBA9567}" type="datetimeFigureOut">
               <a:rPr lang="en-US" dirty="0"/>
               <a:pPr/>
-              <a:t>5/30/2020</a:t>
+              <a:t>5/31/2020</a:t>
             </a:fld>
             <a:endParaRPr lang="en-US" dirty="0"/>
           </a:p>
@@ -3730,7 +3735,7 @@
           <a:lstStyle/>
           <a:p>
             <a:r>
-              <a:rPr lang="bg-BG" smtClean="0"/>
+              <a:rPr lang="bg-BG"/>
               <a:t>Редакт. стил загл. образец</a:t>
             </a:r>
             <a:endParaRPr lang="en-US" dirty="0"/>
@@ -3755,7 +3760,7 @@
             <a:fld id="{B61BEF0D-F0BB-DE4B-95CE-6DB70DBA9567}" type="datetimeFigureOut">
               <a:rPr lang="en-US" dirty="0"/>
               <a:pPr/>
-              <a:t>5/30/2020</a:t>
+              <a:t>5/31/2020</a:t>
             </a:fld>
             <a:endParaRPr lang="en-US" dirty="0"/>
           </a:p>
@@ -3847,7 +3852,7 @@
             <a:fld id="{B61BEF0D-F0BB-DE4B-95CE-6DB70DBA9567}" type="datetimeFigureOut">
               <a:rPr lang="en-US" dirty="0"/>
               <a:pPr/>
-              <a:t>5/30/2020</a:t>
+              <a:t>5/31/2020</a:t>
             </a:fld>
             <a:endParaRPr lang="en-US" dirty="0"/>
           </a:p>
@@ -3948,7 +3953,7 @@
           </a:lstStyle>
           <a:p>
             <a:r>
-              <a:rPr lang="bg-BG" smtClean="0"/>
+              <a:rPr lang="bg-BG"/>
               <a:t>Редакт. стил загл. образец</a:t>
             </a:r>
             <a:endParaRPr lang="en-US" dirty="0"/>
@@ -3979,35 +3984,35 @@
           <a:p>
             <a:pPr lvl="0"/>
             <a:r>
-              <a:rPr lang="bg-BG" smtClean="0"/>
+              <a:rPr lang="bg-BG"/>
               <a:t>Редактиране на стиловете на текста в образеца</a:t>
             </a:r>
           </a:p>
           <a:p>
             <a:pPr lvl="1"/>
             <a:r>
-              <a:rPr lang="bg-BG" smtClean="0"/>
+              <a:rPr lang="bg-BG"/>
               <a:t>Второ ниво</a:t>
             </a:r>
           </a:p>
           <a:p>
             <a:pPr lvl="2"/>
             <a:r>
-              <a:rPr lang="bg-BG" smtClean="0"/>
+              <a:rPr lang="bg-BG"/>
               <a:t>Трето ниво</a:t>
             </a:r>
           </a:p>
           <a:p>
             <a:pPr lvl="3"/>
             <a:r>
-              <a:rPr lang="bg-BG" smtClean="0"/>
+              <a:rPr lang="bg-BG"/>
               <a:t>Четвърто ниво</a:t>
             </a:r>
           </a:p>
           <a:p>
             <a:pPr lvl="4"/>
             <a:r>
-              <a:rPr lang="bg-BG" smtClean="0"/>
+              <a:rPr lang="bg-BG"/>
               <a:t>Пето ниво</a:t>
             </a:r>
             <a:endParaRPr lang="en-US" dirty="0"/>
@@ -4075,7 +4080,7 @@
           <a:p>
             <a:pPr lvl="0"/>
             <a:r>
-              <a:rPr lang="bg-BG" smtClean="0"/>
+              <a:rPr lang="bg-BG"/>
               <a:t>Редактиране на стиловете на текста в образеца</a:t>
             </a:r>
           </a:p>
@@ -4099,7 +4104,7 @@
             <a:fld id="{B61BEF0D-F0BB-DE4B-95CE-6DB70DBA9567}" type="datetimeFigureOut">
               <a:rPr lang="en-US" dirty="0"/>
               <a:pPr/>
-              <a:t>5/30/2020</a:t>
+              <a:t>5/31/2020</a:t>
             </a:fld>
             <a:endParaRPr lang="en-US" dirty="0"/>
           </a:p>
@@ -4200,7 +4205,7 @@
           </a:lstStyle>
           <a:p>
             <a:r>
-              <a:rPr lang="bg-BG" smtClean="0"/>
+              <a:rPr lang="bg-BG"/>
               <a:t>Редакт. стил загл. образец</a:t>
             </a:r>
             <a:endParaRPr lang="en-US" dirty="0"/>
@@ -4287,7 +4292,7 @@
           </a:lstStyle>
           <a:p>
             <a:r>
-              <a:rPr lang="bg-BG" smtClean="0"/>
+              <a:rPr lang="bg-BG"/>
               <a:t>Щракнете върху иконата, за да добавите картина</a:t>
             </a:r>
             <a:endParaRPr lang="en-US" dirty="0"/>
@@ -4355,7 +4360,7 @@
           <a:p>
             <a:pPr lvl="0"/>
             <a:r>
-              <a:rPr lang="bg-BG" smtClean="0"/>
+              <a:rPr lang="bg-BG"/>
               <a:t>Редактиране на стиловете на текста в образеца</a:t>
             </a:r>
           </a:p>
@@ -4379,7 +4384,7 @@
             <a:fld id="{B61BEF0D-F0BB-DE4B-95CE-6DB70DBA9567}" type="datetimeFigureOut">
               <a:rPr lang="en-US" dirty="0"/>
               <a:pPr/>
-              <a:t>5/30/2020</a:t>
+              <a:t>5/31/2020</a:t>
             </a:fld>
             <a:endParaRPr lang="en-US" dirty="0"/>
           </a:p>
@@ -4675,7 +4680,7 @@
           <a:lstStyle/>
           <a:p>
             <a:r>
-              <a:rPr lang="bg-BG" smtClean="0"/>
+              <a:rPr lang="bg-BG"/>
               <a:t>Редакт. стил загл. образец</a:t>
             </a:r>
             <a:endParaRPr lang="en-US" dirty="0"/>
@@ -4709,35 +4714,35 @@
           <a:p>
             <a:pPr lvl="0"/>
             <a:r>
-              <a:rPr lang="bg-BG" smtClean="0"/>
+              <a:rPr lang="bg-BG"/>
               <a:t>Редактиране на стиловете на текста в образеца</a:t>
             </a:r>
           </a:p>
           <a:p>
             <a:pPr lvl="1"/>
             <a:r>
-              <a:rPr lang="bg-BG" smtClean="0"/>
+              <a:rPr lang="bg-BG"/>
               <a:t>Второ ниво</a:t>
             </a:r>
           </a:p>
           <a:p>
             <a:pPr lvl="2"/>
             <a:r>
-              <a:rPr lang="bg-BG" smtClean="0"/>
+              <a:rPr lang="bg-BG"/>
               <a:t>Трето ниво</a:t>
             </a:r>
           </a:p>
           <a:p>
             <a:pPr lvl="3"/>
             <a:r>
-              <a:rPr lang="bg-BG" smtClean="0"/>
+              <a:rPr lang="bg-BG"/>
               <a:t>Четвърто ниво</a:t>
             </a:r>
           </a:p>
           <a:p>
             <a:pPr lvl="4"/>
             <a:r>
-              <a:rPr lang="bg-BG" smtClean="0"/>
+              <a:rPr lang="bg-BG"/>
               <a:t>Пето ниво</a:t>
             </a:r>
             <a:endParaRPr lang="en-US" dirty="0"/>
@@ -4782,7 +4787,7 @@
             <a:fld id="{B61BEF0D-F0BB-DE4B-95CE-6DB70DBA9567}" type="datetimeFigureOut">
               <a:rPr lang="en-US" dirty="0"/>
               <a:pPr/>
-              <a:t>5/30/2020</a:t>
+              <a:t>5/31/2020</a:t>
             </a:fld>
             <a:endParaRPr lang="en-US" dirty="0"/>
           </a:p>
@@ -5299,6 +5304,31 @@
 <file path=ppt/slides/slide1.xml><?xml version="1.0" encoding="utf-8"?>
 <p:sld xmlns:a="http://schemas.openxmlformats.org/drawingml/2006/main" xmlns:r="http://schemas.openxmlformats.org/officeDocument/2006/relationships" xmlns:p="http://schemas.openxmlformats.org/presentationml/2006/main">
   <p:cSld>
+    <p:bg>
+      <p:bgPr>
+        <a:gradFill rotWithShape="1">
+          <a:gsLst>
+            <a:gs pos="10000">
+              <a:schemeClr val="bg1">
+                <a:tint val="97000"/>
+                <a:hueMod val="92000"/>
+                <a:satMod val="169000"/>
+                <a:lumMod val="164000"/>
+              </a:schemeClr>
+            </a:gs>
+            <a:gs pos="100000">
+              <a:schemeClr val="bg1">
+                <a:shade val="96000"/>
+                <a:satMod val="120000"/>
+                <a:lumMod val="90000"/>
+              </a:schemeClr>
+            </a:gs>
+          </a:gsLst>
+          <a:lin ang="6120000" scaled="1"/>
+        </a:gradFill>
+        <a:effectLst/>
+      </p:bgPr>
+    </p:bg>
     <p:spTree>
       <p:nvGrpSpPr>
         <p:cNvPr id="1" name=""/>
@@ -5313,58 +5343,379 @@
           <a:chExt cx="0" cy="0"/>
         </a:xfrm>
       </p:grpSpPr>
-      <p:sp>
-        <p:nvSpPr>
-          <p:cNvPr id="2" name="Заглавие 1"/>
-          <p:cNvSpPr>
-            <a:spLocks noGrp="1"/>
-          </p:cNvSpPr>
-          <p:nvPr>
-            <p:ph type="ctrTitle"/>
+      <p:sp useBgFill="1">
+        <p:nvSpPr>
+          <p:cNvPr id="30" name="Rectangle 21">
+            <a:extLst>
+              <a:ext uri="{FF2B5EF4-FFF2-40B4-BE49-F238E27FC236}">
+                <a16:creationId xmlns:a16="http://schemas.microsoft.com/office/drawing/2014/main" id="{4609862E-48F9-45AC-8D44-67A0268A7935}"/>
+              </a:ext>
+              <a:ext uri="{C183D7F6-B498-43B3-948B-1728B52AA6E4}">
+                <adec:decorative xmlns:adec="http://schemas.microsoft.com/office/drawing/2017/decorative" val="1"/>
+              </a:ext>
+            </a:extLst>
+          </p:cNvPr>
+          <p:cNvSpPr>
+            <a:spLocks noGrp="1" noRot="1" noChangeAspect="1" noMove="1" noResize="1" noEditPoints="1" noAdjustHandles="1" noChangeArrowheads="1" noChangeShapeType="1" noTextEdit="1"/>
+          </p:cNvSpPr>
+          <p:nvPr>
+            <p:extLst>
+              <p:ext uri="{386F3935-93C4-4BCD-93E2-E3B085C9AB24}">
+                <p16:designElem xmlns:p16="http://schemas.microsoft.com/office/powerpoint/2015/main" val="1"/>
+              </p:ext>
+            </p:extLst>
           </p:nvPr>
         </p:nvSpPr>
         <p:spPr>
           <a:xfrm>
-            <a:off x="684212" y="1227909"/>
-            <a:ext cx="8001000" cy="2429691"/>
+            <a:off x="0" y="0"/>
+            <a:ext cx="12192000" cy="6858000"/>
+          </a:xfrm>
+          <a:prstGeom prst="rect">
+            <a:avLst/>
+          </a:prstGeom>
+          <a:ln>
+            <a:noFill/>
+          </a:ln>
+        </p:spPr>
+        <p:style>
+          <a:lnRef idx="2">
+            <a:schemeClr val="accent1">
+              <a:shade val="50000"/>
+            </a:schemeClr>
+          </a:lnRef>
+          <a:fillRef idx="1">
+            <a:schemeClr val="accent1"/>
+          </a:fillRef>
+          <a:effectRef idx="0">
+            <a:schemeClr val="accent1"/>
+          </a:effectRef>
+          <a:fontRef idx="minor">
+            <a:schemeClr val="lt1"/>
+          </a:fontRef>
+        </p:style>
+        <p:txBody>
+          <a:bodyPr rtlCol="0" anchor="ctr"/>
+          <a:lstStyle/>
+          <a:p>
+            <a:pPr algn="ctr"/>
+            <a:endParaRPr lang="en-US"/>
+          </a:p>
+        </p:txBody>
+      </p:sp>
+      <p:grpSp>
+        <p:nvGrpSpPr>
+          <p:cNvPr id="31" name="Group 23">
+            <a:extLst>
+              <a:ext uri="{FF2B5EF4-FFF2-40B4-BE49-F238E27FC236}">
+                <a16:creationId xmlns:a16="http://schemas.microsoft.com/office/drawing/2014/main" id="{C97986E7-0E3C-4F64-886E-935DDCB83AA7}"/>
+              </a:ext>
+              <a:ext uri="{C183D7F6-B498-43B3-948B-1728B52AA6E4}">
+                <adec:decorative xmlns:adec="http://schemas.microsoft.com/office/drawing/2017/decorative" val="1"/>
+              </a:ext>
+            </a:extLst>
+          </p:cNvPr>
+          <p:cNvGrpSpPr>
+            <a:grpSpLocks noGrp="1" noUngrp="1" noRot="1" noChangeAspect="1" noMove="1" noResize="1"/>
+          </p:cNvGrpSpPr>
+          <p:nvPr>
+            <p:extLst>
+              <p:ext uri="{386F3935-93C4-4BCD-93E2-E3B085C9AB24}">
+                <p16:designElem xmlns:p16="http://schemas.microsoft.com/office/powerpoint/2015/main" val="1"/>
+              </p:ext>
+            </p:extLst>
+          </p:nvPr>
+        </p:nvGrpSpPr>
+        <p:grpSpPr>
+          <a:xfrm>
+            <a:off x="7773033" y="1420238"/>
+            <a:ext cx="4415786" cy="4751961"/>
+            <a:chOff x="9206969" y="2963333"/>
+            <a:chExt cx="2981858" cy="3208867"/>
+          </a:xfrm>
+        </p:grpSpPr>
+        <p:cxnSp>
+          <p:nvCxnSpPr>
+            <p:cNvPr id="25" name="Straight Connector 24">
+              <a:extLst>
+                <a:ext uri="{FF2B5EF4-FFF2-40B4-BE49-F238E27FC236}">
+                  <a16:creationId xmlns:a16="http://schemas.microsoft.com/office/drawing/2014/main" id="{B903D17F-F79E-40E5-9563-A1CFFCC06A2A}"/>
+                </a:ext>
+                <a:ext uri="{C183D7F6-B498-43B3-948B-1728B52AA6E4}">
+                  <adec:decorative xmlns:adec="http://schemas.microsoft.com/office/drawing/2017/decorative" val="1"/>
+                </a:ext>
+              </a:extLst>
+            </p:cNvPr>
+            <p:cNvCxnSpPr/>
+            <p:nvPr>
+              <p:extLst>
+                <p:ext uri="{386F3935-93C4-4BCD-93E2-E3B085C9AB24}">
+                  <p16:designElem xmlns:p16="http://schemas.microsoft.com/office/powerpoint/2015/main" val="1"/>
+                </p:ext>
+              </p:extLst>
+            </p:nvPr>
+          </p:nvCxnSpPr>
+          <p:spPr>
+            <a:xfrm flipH="1">
+              <a:off x="11276012" y="2963333"/>
+              <a:ext cx="912814" cy="912812"/>
+            </a:xfrm>
+            <a:prstGeom prst="line">
+              <a:avLst/>
+            </a:prstGeom>
+            <a:ln w="9525">
+              <a:solidFill>
+                <a:schemeClr val="tx2">
+                  <a:lumMod val="75000"/>
+                  <a:alpha val="80000"/>
+                </a:schemeClr>
+              </a:solidFill>
+            </a:ln>
+          </p:spPr>
+          <p:style>
+            <a:lnRef idx="2">
+              <a:schemeClr val="accent1"/>
+            </a:lnRef>
+            <a:fillRef idx="0">
+              <a:schemeClr val="accent1"/>
+            </a:fillRef>
+            <a:effectRef idx="1">
+              <a:schemeClr val="accent1"/>
+            </a:effectRef>
+            <a:fontRef idx="minor">
+              <a:schemeClr val="tx1"/>
+            </a:fontRef>
+          </p:style>
+        </p:cxnSp>
+        <p:cxnSp>
+          <p:nvCxnSpPr>
+            <p:cNvPr id="26" name="Straight Connector 25">
+              <a:extLst>
+                <a:ext uri="{FF2B5EF4-FFF2-40B4-BE49-F238E27FC236}">
+                  <a16:creationId xmlns:a16="http://schemas.microsoft.com/office/drawing/2014/main" id="{CA5D5775-627F-4588-82B3-905EDF23138E}"/>
+                </a:ext>
+                <a:ext uri="{C183D7F6-B498-43B3-948B-1728B52AA6E4}">
+                  <adec:decorative xmlns:adec="http://schemas.microsoft.com/office/drawing/2017/decorative" val="1"/>
+                </a:ext>
+              </a:extLst>
+            </p:cNvPr>
+            <p:cNvCxnSpPr/>
+            <p:nvPr>
+              <p:extLst>
+                <p:ext uri="{386F3935-93C4-4BCD-93E2-E3B085C9AB24}">
+                  <p16:designElem xmlns:p16="http://schemas.microsoft.com/office/powerpoint/2015/main" val="1"/>
+                </p:ext>
+              </p:extLst>
+            </p:nvPr>
+          </p:nvCxnSpPr>
+          <p:spPr>
+            <a:xfrm flipH="1">
+              <a:off x="9206969" y="3190344"/>
+              <a:ext cx="2981857" cy="2981856"/>
+            </a:xfrm>
+            <a:prstGeom prst="line">
+              <a:avLst/>
+            </a:prstGeom>
+            <a:ln w="9525">
+              <a:solidFill>
+                <a:schemeClr val="tx2">
+                  <a:lumMod val="75000"/>
+                  <a:alpha val="80000"/>
+                </a:schemeClr>
+              </a:solidFill>
+            </a:ln>
+          </p:spPr>
+          <p:style>
+            <a:lnRef idx="2">
+              <a:schemeClr val="accent1"/>
+            </a:lnRef>
+            <a:fillRef idx="0">
+              <a:schemeClr val="accent1"/>
+            </a:fillRef>
+            <a:effectRef idx="1">
+              <a:schemeClr val="accent1"/>
+            </a:effectRef>
+            <a:fontRef idx="minor">
+              <a:schemeClr val="tx1"/>
+            </a:fontRef>
+          </p:style>
+        </p:cxnSp>
+        <p:cxnSp>
+          <p:nvCxnSpPr>
+            <p:cNvPr id="27" name="Straight Connector 26">
+              <a:extLst>
+                <a:ext uri="{FF2B5EF4-FFF2-40B4-BE49-F238E27FC236}">
+                  <a16:creationId xmlns:a16="http://schemas.microsoft.com/office/drawing/2014/main" id="{7D7F2A20-5DE4-4BC0-91EA-5FFE33A4D3A9}"/>
+                </a:ext>
+                <a:ext uri="{C183D7F6-B498-43B3-948B-1728B52AA6E4}">
+                  <adec:decorative xmlns:adec="http://schemas.microsoft.com/office/drawing/2017/decorative" val="1"/>
+                </a:ext>
+              </a:extLst>
+            </p:cNvPr>
+            <p:cNvCxnSpPr/>
+            <p:nvPr>
+              <p:extLst>
+                <p:ext uri="{386F3935-93C4-4BCD-93E2-E3B085C9AB24}">
+                  <p16:designElem xmlns:p16="http://schemas.microsoft.com/office/powerpoint/2015/main" val="1"/>
+                </p:ext>
+              </p:extLst>
+            </p:nvPr>
+          </p:nvCxnSpPr>
+          <p:spPr>
+            <a:xfrm flipH="1">
+              <a:off x="10292292" y="3285067"/>
+              <a:ext cx="1896534" cy="1896533"/>
+            </a:xfrm>
+            <a:prstGeom prst="line">
+              <a:avLst/>
+            </a:prstGeom>
+            <a:ln w="9525">
+              <a:solidFill>
+                <a:schemeClr val="tx2">
+                  <a:lumMod val="75000"/>
+                  <a:alpha val="80000"/>
+                </a:schemeClr>
+              </a:solidFill>
+            </a:ln>
+          </p:spPr>
+          <p:style>
+            <a:lnRef idx="2">
+              <a:schemeClr val="accent1"/>
+            </a:lnRef>
+            <a:fillRef idx="0">
+              <a:schemeClr val="accent1"/>
+            </a:fillRef>
+            <a:effectRef idx="1">
+              <a:schemeClr val="accent1"/>
+            </a:effectRef>
+            <a:fontRef idx="minor">
+              <a:schemeClr val="tx1"/>
+            </a:fontRef>
+          </p:style>
+        </p:cxnSp>
+        <p:cxnSp>
+          <p:nvCxnSpPr>
+            <p:cNvPr id="28" name="Straight Connector 27">
+              <a:extLst>
+                <a:ext uri="{FF2B5EF4-FFF2-40B4-BE49-F238E27FC236}">
+                  <a16:creationId xmlns:a16="http://schemas.microsoft.com/office/drawing/2014/main" id="{3D536BA0-56C7-429C-B41E-B5724F0CD4C4}"/>
+                </a:ext>
+                <a:ext uri="{C183D7F6-B498-43B3-948B-1728B52AA6E4}">
+                  <adec:decorative xmlns:adec="http://schemas.microsoft.com/office/drawing/2017/decorative" val="1"/>
+                </a:ext>
+              </a:extLst>
+            </p:cNvPr>
+            <p:cNvCxnSpPr/>
+            <p:nvPr>
+              <p:extLst>
+                <p:ext uri="{386F3935-93C4-4BCD-93E2-E3B085C9AB24}">
+                  <p16:designElem xmlns:p16="http://schemas.microsoft.com/office/powerpoint/2015/main" val="1"/>
+                </p:ext>
+              </p:extLst>
+            </p:nvPr>
+          </p:nvCxnSpPr>
+          <p:spPr>
+            <a:xfrm flipH="1">
+              <a:off x="10443103" y="3131080"/>
+              <a:ext cx="1745722" cy="1745720"/>
+            </a:xfrm>
+            <a:prstGeom prst="line">
+              <a:avLst/>
+            </a:prstGeom>
+            <a:ln w="28575">
+              <a:solidFill>
+                <a:schemeClr val="tx2">
+                  <a:lumMod val="75000"/>
+                  <a:alpha val="80000"/>
+                </a:schemeClr>
+              </a:solidFill>
+            </a:ln>
+          </p:spPr>
+          <p:style>
+            <a:lnRef idx="2">
+              <a:schemeClr val="accent1"/>
+            </a:lnRef>
+            <a:fillRef idx="0">
+              <a:schemeClr val="accent1"/>
+            </a:fillRef>
+            <a:effectRef idx="1">
+              <a:schemeClr val="accent1"/>
+            </a:effectRef>
+            <a:fontRef idx="minor">
+              <a:schemeClr val="tx1"/>
+            </a:fontRef>
+          </p:style>
+        </p:cxnSp>
+        <p:cxnSp>
+          <p:nvCxnSpPr>
+            <p:cNvPr id="29" name="Straight Connector 28">
+              <a:extLst>
+                <a:ext uri="{FF2B5EF4-FFF2-40B4-BE49-F238E27FC236}">
+                  <a16:creationId xmlns:a16="http://schemas.microsoft.com/office/drawing/2014/main" id="{1F15726F-71BE-4007-B9B6-0A1AA0D5201D}"/>
+                </a:ext>
+                <a:ext uri="{C183D7F6-B498-43B3-948B-1728B52AA6E4}">
+                  <adec:decorative xmlns:adec="http://schemas.microsoft.com/office/drawing/2017/decorative" val="1"/>
+                </a:ext>
+              </a:extLst>
+            </p:cNvPr>
+            <p:cNvCxnSpPr/>
+            <p:nvPr>
+              <p:extLst>
+                <p:ext uri="{386F3935-93C4-4BCD-93E2-E3B085C9AB24}">
+                  <p16:designElem xmlns:p16="http://schemas.microsoft.com/office/powerpoint/2015/main" val="1"/>
+                </p:ext>
+              </p:extLst>
+            </p:nvPr>
+          </p:nvCxnSpPr>
+          <p:spPr>
+            <a:xfrm flipH="1">
+              <a:off x="10918826" y="3683001"/>
+              <a:ext cx="1270001" cy="1269999"/>
+            </a:xfrm>
+            <a:prstGeom prst="line">
+              <a:avLst/>
+            </a:prstGeom>
+            <a:ln w="28575">
+              <a:solidFill>
+                <a:schemeClr val="tx2">
+                  <a:lumMod val="75000"/>
+                  <a:alpha val="80000"/>
+                </a:schemeClr>
+              </a:solidFill>
+            </a:ln>
+          </p:spPr>
+          <p:style>
+            <a:lnRef idx="2">
+              <a:schemeClr val="accent1"/>
+            </a:lnRef>
+            <a:fillRef idx="0">
+              <a:schemeClr val="accent1"/>
+            </a:fillRef>
+            <a:effectRef idx="1">
+              <a:schemeClr val="accent1"/>
+            </a:effectRef>
+            <a:fontRef idx="minor">
+              <a:schemeClr val="tx1"/>
+            </a:fontRef>
+          </p:style>
+        </p:cxnSp>
+      </p:grpSp>
+      <p:sp>
+        <p:nvSpPr>
+          <p:cNvPr id="2" name="Заглавие 1"/>
+          <p:cNvSpPr>
+            <a:spLocks noGrp="1"/>
+          </p:cNvSpPr>
+          <p:nvPr>
+            <p:ph type="ctrTitle"/>
+          </p:nvPr>
+        </p:nvSpPr>
+        <p:spPr>
+          <a:xfrm>
+            <a:off x="684211" y="685799"/>
+            <a:ext cx="8420877" cy="2971801"/>
           </a:xfrm>
         </p:spPr>
-        <p:txBody>
-          <a:bodyPr anchor="ctr">
-            <a:normAutofit/>
-          </a:bodyPr>
-          <a:lstStyle/>
-          <a:p>
-            <a:r>
-              <a:rPr lang="en-US" dirty="0"/>
-              <a:t>Olympic Games</a:t>
-            </a:r>
-            <a:br>
-              <a:rPr lang="en-US" dirty="0"/>
-            </a:br>
-            <a:r>
-              <a:rPr lang="en-US" dirty="0"/>
-              <a:t>Rio </a:t>
-            </a:r>
-            <a:r>
-              <a:rPr lang="en-US" dirty="0" smtClean="0"/>
-              <a:t>2016</a:t>
-            </a:r>
-            <a:endParaRPr lang="bg-BG" dirty="0"/>
-          </a:p>
-        </p:txBody>
-      </p:sp>
-      <p:sp>
-        <p:nvSpPr>
-          <p:cNvPr id="3" name="Подзаглавие 2"/>
-          <p:cNvSpPr>
-            <a:spLocks noGrp="1"/>
-          </p:cNvSpPr>
-          <p:nvPr>
-            <p:ph type="subTitle" idx="1"/>
-          </p:nvPr>
-        </p:nvSpPr>
-        <p:spPr/>
         <p:txBody>
           <a:bodyPr>
             <a:normAutofit/>
@@ -5372,7 +5723,49 @@
           <a:lstStyle/>
           <a:p>
             <a:r>
-              <a:rPr lang="bg-BG" sz="2400" i="1" dirty="0">
+              <a:rPr lang="en-US"/>
+              <a:t>Olympic Games</a:t>
+            </a:r>
+            <a:br>
+              <a:rPr lang="en-US"/>
+            </a:br>
+            <a:r>
+              <a:rPr lang="en-US"/>
+              <a:t>Rio 2016</a:t>
+            </a:r>
+            <a:endParaRPr lang="bg-BG" dirty="0"/>
+          </a:p>
+        </p:txBody>
+      </p:sp>
+      <p:sp>
+        <p:nvSpPr>
+          <p:cNvPr id="3" name="Подзаглавие 2"/>
+          <p:cNvSpPr>
+            <a:spLocks noGrp="1"/>
+          </p:cNvSpPr>
+          <p:nvPr>
+            <p:ph type="subTitle" idx="1"/>
+          </p:nvPr>
+        </p:nvSpPr>
+        <p:spPr>
+          <a:xfrm>
+            <a:off x="684212" y="3843867"/>
+            <a:ext cx="6400800" cy="1947333"/>
+          </a:xfrm>
+        </p:spPr>
+        <p:txBody>
+          <a:bodyPr>
+            <a:normAutofit/>
+          </a:bodyPr>
+          <a:lstStyle/>
+          <a:p>
+            <a:r>
+              <a:rPr lang="bg-BG" i="1">
+                <a:solidFill>
+                  <a:schemeClr val="tx2">
+                    <a:lumMod val="75000"/>
+                  </a:schemeClr>
+                </a:solidFill>
                 <a:effectLst>
                   <a:outerShdw blurRad="38100" dist="38100" dir="2700000" algn="tl">
                     <a:srgbClr val="000000">
@@ -5383,7 +5776,12 @@
               </a:rPr>
               <a:t>Проект по 7ми модул от НП „Обучение за ИТ кариера“</a:t>
             </a:r>
-            <a:endParaRPr lang="bg-BG" sz="2400" dirty="0">
+            <a:endParaRPr lang="bg-BG">
+              <a:solidFill>
+                <a:schemeClr val="tx2">
+                  <a:lumMod val="75000"/>
+                </a:schemeClr>
+              </a:solidFill>
               <a:effectLst>
                 <a:outerShdw blurRad="38100" dist="38100" dir="2700000" algn="tl">
                   <a:srgbClr val="000000">
@@ -5405,13 +5803,6 @@
   <p:clrMapOvr>
     <a:masterClrMapping/>
   </p:clrMapOvr>
-  <p:timing>
-    <p:tnLst>
-      <p:par>
-        <p:cTn id="1" dur="indefinite" restart="never" nodeType="tmRoot"/>
-      </p:par>
-    </p:tnLst>
-  </p:timing>
 </p:sld>
 </file>
 
@@ -5456,22 +5847,14 @@
               <a:rPr lang="bg-BG" i="1" dirty="0"/>
               <a:t>Изготвили: </a:t>
             </a:r>
-            <a:r>
-              <a:rPr lang="bg-BG" i="1" dirty="0" smtClean="0"/>
-              <a:t/>
-            </a:r>
             <a:br>
-              <a:rPr lang="bg-BG" i="1" dirty="0" smtClean="0"/>
+              <a:rPr lang="bg-BG" i="1" dirty="0"/>
             </a:br>
             <a:r>
-              <a:rPr lang="bg-BG" i="1" dirty="0" smtClean="0"/>
-              <a:t>Надя </a:t>
-            </a:r>
-            <a:r>
-              <a:rPr lang="bg-BG" i="1" dirty="0"/>
-              <a:t>Колева и Йоана Михайлова</a:t>
-            </a:r>
-            <a:endParaRPr lang="bg-BG" dirty="0"/>
+              <a:rPr lang="bg-BG" sz="3000" i="1" dirty="0"/>
+              <a:t>Надя Колева и Йоана Михайлова</a:t>
+            </a:r>
+            <a:endParaRPr lang="bg-BG" sz="3000" dirty="0"/>
           </a:p>
         </p:txBody>
       </p:sp>
@@ -5498,7 +5881,7 @@
           <a:lstStyle/>
           <a:p>
             <a:r>
-              <a:rPr lang="bg-BG" i="1" dirty="0">
+              <a:rPr lang="bg-BG" i="1">
                 <a:effectLst>
                   <a:outerShdw blurRad="38100" dist="38100" dir="2700000" algn="tl">
                     <a:srgbClr val="000000">
@@ -5507,31 +5890,7 @@
                   </a:outerShdw>
                 </a:effectLst>
               </a:rPr>
-              <a:t>От: ПМГ „Академик Боян </a:t>
-            </a:r>
-            <a:r>
-              <a:rPr lang="bg-BG" i="1" dirty="0" err="1">
-                <a:effectLst>
-                  <a:outerShdw blurRad="38100" dist="38100" dir="2700000" algn="tl">
-                    <a:srgbClr val="000000">
-                      <a:alpha val="43137"/>
-                    </a:srgbClr>
-                  </a:outerShdw>
-                </a:effectLst>
-              </a:rPr>
-              <a:t>Петканчин</a:t>
-            </a:r>
-            <a:r>
-              <a:rPr lang="bg-BG" i="1" dirty="0">
-                <a:effectLst>
-                  <a:outerShdw blurRad="38100" dist="38100" dir="2700000" algn="tl">
-                    <a:srgbClr val="000000">
-                      <a:alpha val="43137"/>
-                    </a:srgbClr>
-                  </a:outerShdw>
-                </a:effectLst>
-              </a:rPr>
-              <a:t>“, гр. Хасково</a:t>
+              <a:t>От: ПМГ „Академик Боян Петканчин“, гр. Хасково</a:t>
             </a:r>
           </a:p>
           <a:p>
@@ -5549,13 +5908,6 @@
   <p:clrMapOvr>
     <a:masterClrMapping/>
   </p:clrMapOvr>
-  <p:timing>
-    <p:tnLst>
-      <p:par>
-        <p:cTn id="1" dur="indefinite" restart="never" nodeType="tmRoot"/>
-      </p:par>
-    </p:tnLst>
-  </p:timing>
 </p:sld>
 </file>
 
@@ -5597,53 +5949,20 @@
           <a:lstStyle/>
           <a:p>
             <a:r>
-              <a:rPr lang="bg-BG" dirty="0" smtClean="0"/>
+              <a:rPr lang="bg-BG" dirty="0"/>
               <a:t>Получаване на цялата информация за летните олимпийските игри в </a:t>
             </a:r>
             <a:r>
-              <a:rPr lang="bg-BG" dirty="0" err="1" smtClean="0"/>
+              <a:rPr lang="bg-BG" dirty="0" err="1"/>
               <a:t>рио</a:t>
             </a:r>
             <a:r>
-              <a:rPr lang="bg-BG" dirty="0" smtClean="0"/>
+              <a:rPr lang="bg-BG" dirty="0"/>
               <a:t> 2016г.</a:t>
             </a:r>
-            <a:endParaRPr lang="bg-BG" dirty="0"/>
-          </a:p>
-        </p:txBody>
-      </p:sp>
-      <p:pic>
-        <p:nvPicPr>
-          <p:cNvPr id="5" name="Картина 4"/>
-          <p:cNvPicPr>
-            <a:picLocks noChangeAspect="1"/>
-          </p:cNvPicPr>
-          <p:nvPr/>
-        </p:nvPicPr>
-        <p:blipFill rotWithShape="1">
-          <a:blip r:embed="rId2">
-            <a:extLst>
-              <a:ext uri="{28A0092B-C50C-407E-A947-70E740481C1C}">
-                <a14:useLocalDpi xmlns:a14="http://schemas.microsoft.com/office/drawing/2010/main" val="0"/>
-              </a:ext>
-            </a:extLst>
-          </a:blip>
-          <a:srcRect l="8664" t="9210" r="9504" b="5553"/>
-          <a:stretch/>
-        </p:blipFill>
-        <p:spPr>
-          <a:xfrm>
-            <a:off x="325326" y="2586446"/>
-            <a:ext cx="5401150" cy="3163020"/>
-          </a:xfrm>
-          <a:prstGeom prst="rect">
-            <a:avLst/>
-          </a:prstGeom>
-          <a:effectLst>
-            <a:softEdge rad="31750"/>
-          </a:effectLst>
-        </p:spPr>
-      </p:pic>
+          </a:p>
+        </p:txBody>
+      </p:sp>
       <p:sp>
         <p:nvSpPr>
           <p:cNvPr id="6" name="Стрелка надясно 5"/>
@@ -5691,7 +6010,7 @@
           <p:nvPr/>
         </p:nvPicPr>
         <p:blipFill rotWithShape="1">
-          <a:blip r:embed="rId3">
+          <a:blip r:embed="rId2">
             <a:extLst>
               <a:ext uri="{28A0092B-C50C-407E-A947-70E740481C1C}">
                 <a14:useLocalDpi xmlns:a14="http://schemas.microsoft.com/office/drawing/2010/main" val="0"/>
@@ -5709,8 +6028,55 @@
           <a:prstGeom prst="rect">
             <a:avLst/>
           </a:prstGeom>
+          <a:ln>
+            <a:noFill/>
+          </a:ln>
           <a:effectLst>
-            <a:softEdge rad="12700"/>
+            <a:outerShdw blurRad="292100" dist="139700" dir="2700000" algn="tl" rotWithShape="0">
+              <a:srgbClr val="333333">
+                <a:alpha val="65000"/>
+              </a:srgbClr>
+            </a:outerShdw>
+          </a:effectLst>
+        </p:spPr>
+      </p:pic>
+      <p:pic>
+        <p:nvPicPr>
+          <p:cNvPr id="3" name="Картина 2">
+            <a:extLst>
+              <a:ext uri="{FF2B5EF4-FFF2-40B4-BE49-F238E27FC236}">
+                <a16:creationId xmlns:a16="http://schemas.microsoft.com/office/drawing/2014/main" id="{439A8CF9-346E-4F6E-BEB2-804BC38C2753}"/>
+              </a:ext>
+            </a:extLst>
+          </p:cNvPr>
+          <p:cNvPicPr>
+            <a:picLocks noChangeAspect="1"/>
+          </p:cNvPicPr>
+          <p:nvPr/>
+        </p:nvPicPr>
+        <p:blipFill>
+          <a:blip r:embed="rId3"/>
+          <a:stretch>
+            <a:fillRect/>
+          </a:stretch>
+        </p:blipFill>
+        <p:spPr>
+          <a:xfrm>
+            <a:off x="458892" y="2658213"/>
+            <a:ext cx="5391491" cy="3510537"/>
+          </a:xfrm>
+          <a:prstGeom prst="rect">
+            <a:avLst/>
+          </a:prstGeom>
+          <a:ln>
+            <a:noFill/>
+          </a:ln>
+          <a:effectLst>
+            <a:outerShdw blurRad="292100" dist="139700" dir="2700000" algn="tl" rotWithShape="0">
+              <a:srgbClr val="333333">
+                <a:alpha val="65000"/>
+              </a:srgbClr>
+            </a:outerShdw>
           </a:effectLst>
         </p:spPr>
       </p:pic>
@@ -5724,19 +6090,37 @@
   <p:clrMapOvr>
     <a:masterClrMapping/>
   </p:clrMapOvr>
-  <p:timing>
-    <p:tnLst>
-      <p:par>
-        <p:cTn id="1" dur="indefinite" restart="never" nodeType="tmRoot"/>
-      </p:par>
-    </p:tnLst>
-  </p:timing>
 </p:sld>
 </file>
 
 <file path=ppt/slides/slide4.xml><?xml version="1.0" encoding="utf-8"?>
 <p:sld xmlns:a="http://schemas.openxmlformats.org/drawingml/2006/main" xmlns:r="http://schemas.openxmlformats.org/officeDocument/2006/relationships" xmlns:p="http://schemas.openxmlformats.org/presentationml/2006/main">
   <p:cSld>
+    <p:bg>
+      <p:bgPr>
+        <a:gradFill rotWithShape="1">
+          <a:gsLst>
+            <a:gs pos="10000">
+              <a:schemeClr val="bg1">
+                <a:tint val="97000"/>
+                <a:hueMod val="92000"/>
+                <a:satMod val="169000"/>
+                <a:lumMod val="164000"/>
+              </a:schemeClr>
+            </a:gs>
+            <a:gs pos="100000">
+              <a:schemeClr val="bg1">
+                <a:shade val="96000"/>
+                <a:satMod val="120000"/>
+                <a:lumMod val="90000"/>
+              </a:schemeClr>
+            </a:gs>
+          </a:gsLst>
+          <a:lin ang="6120000" scaled="1"/>
+        </a:gradFill>
+        <a:effectLst/>
+      </p:bgPr>
+    </p:bg>
     <p:spTree>
       <p:nvGrpSpPr>
         <p:cNvPr id="1" name=""/>
@@ -5751,109 +6135,760 @@
           <a:chExt cx="0" cy="0"/>
         </a:xfrm>
       </p:grpSpPr>
-      <p:sp>
-        <p:nvSpPr>
-          <p:cNvPr id="2" name="Заглавие 1"/>
-          <p:cNvSpPr>
-            <a:spLocks noGrp="1"/>
-          </p:cNvSpPr>
-          <p:nvPr>
-            <p:ph type="title"/>
+      <p:cxnSp>
+        <p:nvCxnSpPr>
+          <p:cNvPr id="7" name="Straight Connector 6">
+            <a:extLst>
+              <a:ext uri="{FF2B5EF4-FFF2-40B4-BE49-F238E27FC236}">
+                <a16:creationId xmlns:a16="http://schemas.microsoft.com/office/drawing/2014/main" id="{FEB90296-CFE0-401D-9CA3-32966EC4F01D}"/>
+              </a:ext>
+              <a:ext uri="{C183D7F6-B498-43B3-948B-1728B52AA6E4}">
+                <adec:decorative xmlns:adec="http://schemas.microsoft.com/office/drawing/2017/decorative" val="1"/>
+              </a:ext>
+            </a:extLst>
+          </p:cNvPr>
+          <p:cNvCxnSpPr>
+            <a:cxnSpLocks noGrp="1" noRot="1" noChangeAspect="1" noMove="1" noResize="1" noEditPoints="1" noAdjustHandles="1" noChangeArrowheads="1" noChangeShapeType="1"/>
+          </p:cNvCxnSpPr>
+          <p:nvPr>
+            <p:extLst>
+              <p:ext uri="{386F3935-93C4-4BCD-93E2-E3B085C9AB24}">
+                <p16:designElem xmlns:p16="http://schemas.microsoft.com/office/powerpoint/2015/main" val="1"/>
+              </p:ext>
+            </p:extLst>
+          </p:nvPr>
+        </p:nvCxnSpPr>
+        <p:spPr>
+          <a:xfrm flipH="1">
+            <a:off x="8228012" y="8467"/>
+            <a:ext cx="3810000" cy="3810000"/>
+          </a:xfrm>
+          <a:prstGeom prst="line">
+            <a:avLst/>
+          </a:prstGeom>
+          <a:ln w="12700">
+            <a:solidFill>
+              <a:schemeClr val="tx1"/>
+            </a:solidFill>
+          </a:ln>
+        </p:spPr>
+        <p:style>
+          <a:lnRef idx="2">
+            <a:schemeClr val="accent1"/>
+          </a:lnRef>
+          <a:fillRef idx="0">
+            <a:schemeClr val="accent1"/>
+          </a:fillRef>
+          <a:effectRef idx="1">
+            <a:schemeClr val="accent1"/>
+          </a:effectRef>
+          <a:fontRef idx="minor">
+            <a:schemeClr val="tx1"/>
+          </a:fontRef>
+        </p:style>
+      </p:cxnSp>
+      <p:cxnSp>
+        <p:nvCxnSpPr>
+          <p:cNvPr id="9" name="Straight Connector 8">
+            <a:extLst>
+              <a:ext uri="{FF2B5EF4-FFF2-40B4-BE49-F238E27FC236}">
+                <a16:creationId xmlns:a16="http://schemas.microsoft.com/office/drawing/2014/main" id="{08C9B4EE-7611-4ED9-B356-7BDD377C39B0}"/>
+              </a:ext>
+              <a:ext uri="{C183D7F6-B498-43B3-948B-1728B52AA6E4}">
+                <adec:decorative xmlns:adec="http://schemas.microsoft.com/office/drawing/2017/decorative" val="1"/>
+              </a:ext>
+            </a:extLst>
+          </p:cNvPr>
+          <p:cNvCxnSpPr>
+            <a:cxnSpLocks noGrp="1" noRot="1" noChangeAspect="1" noMove="1" noResize="1" noEditPoints="1" noAdjustHandles="1" noChangeArrowheads="1" noChangeShapeType="1"/>
+          </p:cNvCxnSpPr>
+          <p:nvPr>
+            <p:extLst>
+              <p:ext uri="{386F3935-93C4-4BCD-93E2-E3B085C9AB24}">
+                <p16:designElem xmlns:p16="http://schemas.microsoft.com/office/powerpoint/2015/main" val="1"/>
+              </p:ext>
+            </p:extLst>
+          </p:nvPr>
+        </p:nvCxnSpPr>
+        <p:spPr>
+          <a:xfrm flipH="1">
+            <a:off x="6108170" y="91545"/>
+            <a:ext cx="6080655" cy="6080655"/>
+          </a:xfrm>
+          <a:prstGeom prst="line">
+            <a:avLst/>
+          </a:prstGeom>
+          <a:ln w="12700">
+            <a:solidFill>
+              <a:schemeClr val="tx1"/>
+            </a:solidFill>
+          </a:ln>
+        </p:spPr>
+        <p:style>
+          <a:lnRef idx="2">
+            <a:schemeClr val="accent1"/>
+          </a:lnRef>
+          <a:fillRef idx="0">
+            <a:schemeClr val="accent1"/>
+          </a:fillRef>
+          <a:effectRef idx="1">
+            <a:schemeClr val="accent1"/>
+          </a:effectRef>
+          <a:fontRef idx="minor">
+            <a:schemeClr val="tx1"/>
+          </a:fontRef>
+        </p:style>
+      </p:cxnSp>
+      <p:cxnSp>
+        <p:nvCxnSpPr>
+          <p:cNvPr id="11" name="Straight Connector 10">
+            <a:extLst>
+              <a:ext uri="{FF2B5EF4-FFF2-40B4-BE49-F238E27FC236}">
+                <a16:creationId xmlns:a16="http://schemas.microsoft.com/office/drawing/2014/main" id="{4A4F266A-F2F7-47CD-8BBC-E3777E982FD2}"/>
+              </a:ext>
+              <a:ext uri="{C183D7F6-B498-43B3-948B-1728B52AA6E4}">
+                <adec:decorative xmlns:adec="http://schemas.microsoft.com/office/drawing/2017/decorative" val="1"/>
+              </a:ext>
+            </a:extLst>
+          </p:cNvPr>
+          <p:cNvCxnSpPr>
+            <a:cxnSpLocks noGrp="1" noRot="1" noChangeAspect="1" noMove="1" noResize="1" noEditPoints="1" noAdjustHandles="1" noChangeArrowheads="1" noChangeShapeType="1"/>
+          </p:cNvCxnSpPr>
+          <p:nvPr>
+            <p:extLst>
+              <p:ext uri="{386F3935-93C4-4BCD-93E2-E3B085C9AB24}">
+                <p16:designElem xmlns:p16="http://schemas.microsoft.com/office/powerpoint/2015/main" val="1"/>
+              </p:ext>
+            </p:extLst>
+          </p:nvPr>
+        </p:nvCxnSpPr>
+        <p:spPr>
+          <a:xfrm flipH="1">
+            <a:off x="7235825" y="228600"/>
+            <a:ext cx="4953000" cy="4953000"/>
+          </a:xfrm>
+          <a:prstGeom prst="line">
+            <a:avLst/>
+          </a:prstGeom>
+          <a:ln w="12700">
+            <a:solidFill>
+              <a:schemeClr val="tx1"/>
+            </a:solidFill>
+          </a:ln>
+        </p:spPr>
+        <p:style>
+          <a:lnRef idx="2">
+            <a:schemeClr val="accent1"/>
+          </a:lnRef>
+          <a:fillRef idx="0">
+            <a:schemeClr val="accent1"/>
+          </a:fillRef>
+          <a:effectRef idx="1">
+            <a:schemeClr val="accent1"/>
+          </a:effectRef>
+          <a:fontRef idx="minor">
+            <a:schemeClr val="tx1"/>
+          </a:fontRef>
+        </p:style>
+      </p:cxnSp>
+      <p:cxnSp>
+        <p:nvCxnSpPr>
+          <p:cNvPr id="13" name="Straight Connector 12">
+            <a:extLst>
+              <a:ext uri="{FF2B5EF4-FFF2-40B4-BE49-F238E27FC236}">
+                <a16:creationId xmlns:a16="http://schemas.microsoft.com/office/drawing/2014/main" id="{20D69C80-8919-4A32-B897-F2A21F940574}"/>
+              </a:ext>
+              <a:ext uri="{C183D7F6-B498-43B3-948B-1728B52AA6E4}">
+                <adec:decorative xmlns:adec="http://schemas.microsoft.com/office/drawing/2017/decorative" val="1"/>
+              </a:ext>
+            </a:extLst>
+          </p:cNvPr>
+          <p:cNvCxnSpPr>
+            <a:cxnSpLocks noGrp="1" noRot="1" noChangeAspect="1" noMove="1" noResize="1" noEditPoints="1" noAdjustHandles="1" noChangeArrowheads="1" noChangeShapeType="1"/>
+          </p:cNvCxnSpPr>
+          <p:nvPr>
+            <p:extLst>
+              <p:ext uri="{386F3935-93C4-4BCD-93E2-E3B085C9AB24}">
+                <p16:designElem xmlns:p16="http://schemas.microsoft.com/office/powerpoint/2015/main" val="1"/>
+              </p:ext>
+            </p:extLst>
+          </p:nvPr>
+        </p:nvCxnSpPr>
+        <p:spPr>
+          <a:xfrm flipH="1">
+            <a:off x="7335837" y="32278"/>
+            <a:ext cx="4852989" cy="4852989"/>
+          </a:xfrm>
+          <a:prstGeom prst="line">
+            <a:avLst/>
+          </a:prstGeom>
+          <a:ln w="31750">
+            <a:solidFill>
+              <a:schemeClr val="tx1"/>
+            </a:solidFill>
+          </a:ln>
+        </p:spPr>
+        <p:style>
+          <a:lnRef idx="2">
+            <a:schemeClr val="accent1"/>
+          </a:lnRef>
+          <a:fillRef idx="0">
+            <a:schemeClr val="accent1"/>
+          </a:fillRef>
+          <a:effectRef idx="1">
+            <a:schemeClr val="accent1"/>
+          </a:effectRef>
+          <a:fontRef idx="minor">
+            <a:schemeClr val="tx1"/>
+          </a:fontRef>
+        </p:style>
+      </p:cxnSp>
+      <p:cxnSp>
+        <p:nvCxnSpPr>
+          <p:cNvPr id="15" name="Straight Connector 14">
+            <a:extLst>
+              <a:ext uri="{FF2B5EF4-FFF2-40B4-BE49-F238E27FC236}">
+                <a16:creationId xmlns:a16="http://schemas.microsoft.com/office/drawing/2014/main" id="{F427B072-CC5B-481B-9719-8CD4C54444BE}"/>
+              </a:ext>
+              <a:ext uri="{C183D7F6-B498-43B3-948B-1728B52AA6E4}">
+                <adec:decorative xmlns:adec="http://schemas.microsoft.com/office/drawing/2017/decorative" val="1"/>
+              </a:ext>
+            </a:extLst>
+          </p:cNvPr>
+          <p:cNvCxnSpPr>
+            <a:cxnSpLocks noGrp="1" noRot="1" noChangeAspect="1" noMove="1" noResize="1" noEditPoints="1" noAdjustHandles="1" noChangeArrowheads="1" noChangeShapeType="1"/>
+          </p:cNvCxnSpPr>
+          <p:nvPr>
+            <p:extLst>
+              <p:ext uri="{386F3935-93C4-4BCD-93E2-E3B085C9AB24}">
+                <p16:designElem xmlns:p16="http://schemas.microsoft.com/office/powerpoint/2015/main" val="1"/>
+              </p:ext>
+            </p:extLst>
+          </p:nvPr>
+        </p:nvCxnSpPr>
+        <p:spPr>
+          <a:xfrm flipH="1">
+            <a:off x="7845426" y="609601"/>
+            <a:ext cx="4343399" cy="4343399"/>
+          </a:xfrm>
+          <a:prstGeom prst="line">
+            <a:avLst/>
+          </a:prstGeom>
+          <a:ln w="31750">
+            <a:solidFill>
+              <a:schemeClr val="tx1"/>
+            </a:solidFill>
+          </a:ln>
+        </p:spPr>
+        <p:style>
+          <a:lnRef idx="2">
+            <a:schemeClr val="accent1"/>
+          </a:lnRef>
+          <a:fillRef idx="0">
+            <a:schemeClr val="accent1"/>
+          </a:fillRef>
+          <a:effectRef idx="1">
+            <a:schemeClr val="accent1"/>
+          </a:effectRef>
+          <a:fontRef idx="minor">
+            <a:schemeClr val="tx1"/>
+          </a:fontRef>
+        </p:style>
+      </p:cxnSp>
+      <p:sp useBgFill="1">
+        <p:nvSpPr>
+          <p:cNvPr id="17" name="Rectangle 16">
+            <a:extLst>
+              <a:ext uri="{FF2B5EF4-FFF2-40B4-BE49-F238E27FC236}">
+                <a16:creationId xmlns:a16="http://schemas.microsoft.com/office/drawing/2014/main" id="{849B35C1-842B-4CB9-90A8-D4D239BC3BC0}"/>
+              </a:ext>
+              <a:ext uri="{C183D7F6-B498-43B3-948B-1728B52AA6E4}">
+                <adec:decorative xmlns:adec="http://schemas.microsoft.com/office/drawing/2017/decorative" val="1"/>
+              </a:ext>
+            </a:extLst>
+          </p:cNvPr>
+          <p:cNvSpPr>
+            <a:spLocks noGrp="1" noRot="1" noChangeAspect="1" noMove="1" noResize="1" noEditPoints="1" noAdjustHandles="1" noChangeArrowheads="1" noChangeShapeType="1" noTextEdit="1"/>
+          </p:cNvSpPr>
+          <p:nvPr>
+            <p:extLst>
+              <p:ext uri="{386F3935-93C4-4BCD-93E2-E3B085C9AB24}">
+                <p16:designElem xmlns:p16="http://schemas.microsoft.com/office/powerpoint/2015/main" val="1"/>
+              </p:ext>
+            </p:extLst>
           </p:nvPr>
         </p:nvSpPr>
         <p:spPr>
           <a:xfrm>
-            <a:off x="1272037" y="1306287"/>
-            <a:ext cx="10058400" cy="3944982"/>
+            <a:off x="0" y="0"/>
+            <a:ext cx="12192000" cy="6858000"/>
+          </a:xfrm>
+          <a:prstGeom prst="rect">
+            <a:avLst/>
+          </a:prstGeom>
+          <a:ln>
+            <a:noFill/>
+          </a:ln>
+        </p:spPr>
+        <p:style>
+          <a:lnRef idx="2">
+            <a:schemeClr val="accent1">
+              <a:shade val="50000"/>
+            </a:schemeClr>
+          </a:lnRef>
+          <a:fillRef idx="1">
+            <a:schemeClr val="accent1"/>
+          </a:fillRef>
+          <a:effectRef idx="0">
+            <a:schemeClr val="accent1"/>
+          </a:effectRef>
+          <a:fontRef idx="minor">
+            <a:schemeClr val="lt1"/>
+          </a:fontRef>
+        </p:style>
+        <p:txBody>
+          <a:bodyPr rtlCol="0" anchor="ctr"/>
+          <a:lstStyle/>
+          <a:p>
+            <a:pPr algn="ctr"/>
+            <a:endParaRPr lang="en-US"/>
+          </a:p>
+        </p:txBody>
+      </p:sp>
+      <p:sp>
+        <p:nvSpPr>
+          <p:cNvPr id="2" name="Заглавие 1"/>
+          <p:cNvSpPr>
+            <a:spLocks noGrp="1"/>
+          </p:cNvSpPr>
+          <p:nvPr>
+            <p:ph type="title"/>
+          </p:nvPr>
+        </p:nvSpPr>
+        <p:spPr>
+          <a:xfrm>
+            <a:off x="4751129" y="1538826"/>
+            <a:ext cx="6524882" cy="3836670"/>
           </a:xfrm>
         </p:spPr>
         <p:txBody>
-          <a:bodyPr anchor="ctr">
-            <a:noAutofit/>
+          <a:bodyPr vert="horz" lIns="91440" tIns="45720" rIns="91440" bIns="45720" rtlCol="0" anchor="t">
+            <a:normAutofit/>
           </a:bodyPr>
           <a:lstStyle/>
           <a:p>
-            <a:r>
-              <a:rPr lang="en-US" sz="4400" dirty="0" smtClean="0">
-                <a:effectLst>
-                  <a:outerShdw blurRad="38100" dist="38100" dir="2700000" algn="tl">
-                    <a:srgbClr val="000000">
-                      <a:alpha val="43137"/>
-                    </a:srgbClr>
-                  </a:outerShdw>
-                </a:effectLst>
-                <a:latin typeface="+mn-lt"/>
-              </a:rPr>
+            <a:pPr>
+              <a:lnSpc>
+                <a:spcPct val="90000"/>
+              </a:lnSpc>
+            </a:pPr>
+            <a:r>
+              <a:rPr lang="en-US" sz="3000" dirty="0"/>
               <a:t>GitHub links:</a:t>
             </a:r>
-            <a:r>
-              <a:rPr lang="bg-BG" sz="3600" dirty="0" smtClean="0">
-                <a:latin typeface="+mn-lt"/>
-              </a:rPr>
-              <a:t/>
-            </a:r>
             <a:br>
-              <a:rPr lang="bg-BG" sz="3600" dirty="0" smtClean="0">
-                <a:latin typeface="+mn-lt"/>
-              </a:rPr>
+              <a:rPr lang="en-US" sz="3000" dirty="0"/>
             </a:br>
-            <a:r>
-              <a:rPr lang="en-US" sz="3600" dirty="0" smtClean="0"/>
-              <a:t/>
-            </a:r>
             <a:br>
-              <a:rPr lang="en-US" sz="3600" dirty="0" smtClean="0"/>
+              <a:rPr lang="en-US" sz="3000" dirty="0"/>
             </a:br>
             <a:r>
-              <a:rPr lang="en-US" sz="3600" u="sng" dirty="0">
-                <a:latin typeface="Agency FB" panose="020B0503020202020204" pitchFamily="34" charset="0"/>
+              <a:rPr lang="en-US" sz="2500" u="sng" dirty="0">
                 <a:hlinkClick r:id="rId2"/>
               </a:rPr>
-              <a:t>https://</a:t>
-            </a:r>
-            <a:r>
-              <a:rPr lang="en-US" sz="3600" u="sng" dirty="0" smtClean="0">
-                <a:latin typeface="Agency FB" panose="020B0503020202020204" pitchFamily="34" charset="0"/>
-                <a:hlinkClick r:id="rId2"/>
-              </a:rPr>
-              <a:t>github.com/nadya02/Olympiad-Project</a:t>
-            </a:r>
-            <a:r>
-              <a:rPr lang="bg-BG" sz="3600" u="sng" dirty="0" smtClean="0">
-                <a:latin typeface="Agency FB" panose="020B0503020202020204" pitchFamily="34" charset="0"/>
-              </a:rPr>
-              <a:t/>
+              <a:t>https://github.com/nadya02/Olympiad-Project</a:t>
             </a:r>
             <a:br>
-              <a:rPr lang="bg-BG" sz="3600" u="sng" dirty="0" smtClean="0">
-                <a:latin typeface="Agency FB" panose="020B0503020202020204" pitchFamily="34" charset="0"/>
-              </a:rPr>
+              <a:rPr lang="en-US" sz="3000" u="sng" dirty="0"/>
             </a:br>
-            <a:r>
-              <a:rPr lang="bg-BG" sz="3600" dirty="0"/>
-              <a:t/>
-            </a:r>
             <a:br>
-              <a:rPr lang="bg-BG" sz="3600" dirty="0"/>
+              <a:rPr lang="en-US" sz="3000" dirty="0"/>
             </a:br>
             <a:r>
-              <a:rPr lang="en-US" sz="3600" u="sng" dirty="0">
-                <a:latin typeface="Agency FB" panose="020B0503020202020204" pitchFamily="34" charset="0"/>
+              <a:rPr lang="en-US" sz="2500" u="sng" dirty="0">
                 <a:hlinkClick r:id="rId3"/>
               </a:rPr>
               <a:t>https://github.com/yoanamihaylova/Olympiad-Project</a:t>
             </a:r>
-            <a:r>
-              <a:rPr lang="bg-BG" sz="3600" dirty="0"/>
-              <a:t/>
-            </a:r>
             <a:br>
-              <a:rPr lang="bg-BG" sz="3600" dirty="0"/>
+              <a:rPr lang="en-US" sz="3000" dirty="0"/>
             </a:br>
-            <a:endParaRPr lang="bg-BG" sz="3600" dirty="0"/>
-          </a:p>
-        </p:txBody>
-      </p:sp>
+            <a:endParaRPr lang="en-US" sz="3000" dirty="0"/>
+          </a:p>
+        </p:txBody>
+      </p:sp>
+      <p:sp>
+        <p:nvSpPr>
+          <p:cNvPr id="19" name="Rectangle 18">
+            <a:extLst>
+              <a:ext uri="{FF2B5EF4-FFF2-40B4-BE49-F238E27FC236}">
+                <a16:creationId xmlns:a16="http://schemas.microsoft.com/office/drawing/2014/main" id="{035A481B-C639-4892-B0EF-4D8373A9B06A}"/>
+              </a:ext>
+              <a:ext uri="{C183D7F6-B498-43B3-948B-1728B52AA6E4}">
+                <adec:decorative xmlns:adec="http://schemas.microsoft.com/office/drawing/2017/decorative" val="1"/>
+              </a:ext>
+            </a:extLst>
+          </p:cNvPr>
+          <p:cNvSpPr>
+            <a:spLocks noGrp="1" noRot="1" noChangeAspect="1" noMove="1" noResize="1" noEditPoints="1" noAdjustHandles="1" noChangeArrowheads="1" noChangeShapeType="1" noTextEdit="1"/>
+          </p:cNvSpPr>
+          <p:nvPr>
+            <p:extLst>
+              <p:ext uri="{386F3935-93C4-4BCD-93E2-E3B085C9AB24}">
+                <p16:designElem xmlns:p16="http://schemas.microsoft.com/office/powerpoint/2015/main" val="1"/>
+              </p:ext>
+            </p:extLst>
+          </p:nvPr>
+        </p:nvSpPr>
+        <p:spPr>
+          <a:xfrm>
+            <a:off x="1760" y="0"/>
+            <a:ext cx="4067748" cy="6858000"/>
+          </a:xfrm>
+          <a:prstGeom prst="rect">
+            <a:avLst/>
+          </a:prstGeom>
+          <a:gradFill flip="none" rotWithShape="1">
+            <a:gsLst>
+              <a:gs pos="0">
+                <a:schemeClr val="accent4">
+                  <a:lumMod val="67000"/>
+                </a:schemeClr>
+              </a:gs>
+              <a:gs pos="48000">
+                <a:schemeClr val="accent4">
+                  <a:lumMod val="97000"/>
+                  <a:lumOff val="3000"/>
+                </a:schemeClr>
+              </a:gs>
+              <a:gs pos="100000">
+                <a:schemeClr val="accent4">
+                  <a:lumMod val="60000"/>
+                  <a:lumOff val="40000"/>
+                </a:schemeClr>
+              </a:gs>
+            </a:gsLst>
+            <a:lin ang="16200000" scaled="1"/>
+            <a:tileRect/>
+          </a:gradFill>
+          <a:ln>
+            <a:noFill/>
+          </a:ln>
+          <a:effectLst>
+            <a:innerShdw blurRad="57150" dist="38100">
+              <a:prstClr val="black">
+                <a:alpha val="70000"/>
+              </a:prstClr>
+            </a:innerShdw>
+          </a:effectLst>
+        </p:spPr>
+        <p:style>
+          <a:lnRef idx="2">
+            <a:schemeClr val="accent1">
+              <a:shade val="50000"/>
+            </a:schemeClr>
+          </a:lnRef>
+          <a:fillRef idx="1001">
+            <a:schemeClr val="dk2"/>
+          </a:fillRef>
+          <a:effectRef idx="0">
+            <a:schemeClr val="accent1"/>
+          </a:effectRef>
+          <a:fontRef idx="minor">
+            <a:schemeClr val="lt1"/>
+          </a:fontRef>
+        </p:style>
+        <p:txBody>
+          <a:bodyPr rtlCol="0" anchor="ctr"/>
+          <a:lstStyle/>
+          <a:p>
+            <a:pPr algn="ctr"/>
+            <a:endParaRPr lang="en-US"/>
+          </a:p>
+        </p:txBody>
+      </p:sp>
+      <p:grpSp>
+        <p:nvGrpSpPr>
+          <p:cNvPr id="21" name="Group 20">
+            <a:extLst>
+              <a:ext uri="{FF2B5EF4-FFF2-40B4-BE49-F238E27FC236}">
+                <a16:creationId xmlns:a16="http://schemas.microsoft.com/office/drawing/2014/main" id="{7355D715-B530-4E6F-BBD5-E2F415F822ED}"/>
+              </a:ext>
+              <a:ext uri="{C183D7F6-B498-43B3-948B-1728B52AA6E4}">
+                <adec:decorative xmlns:adec="http://schemas.microsoft.com/office/drawing/2017/decorative" val="1"/>
+              </a:ext>
+            </a:extLst>
+          </p:cNvPr>
+          <p:cNvGrpSpPr>
+            <a:grpSpLocks noGrp="1" noUngrp="1" noRot="1" noChangeAspect="1" noMove="1" noResize="1"/>
+          </p:cNvGrpSpPr>
+          <p:nvPr>
+            <p:extLst>
+              <p:ext uri="{386F3935-93C4-4BCD-93E2-E3B085C9AB24}">
+                <p16:designElem xmlns:p16="http://schemas.microsoft.com/office/powerpoint/2015/main" val="1"/>
+              </p:ext>
+            </p:extLst>
+          </p:nvPr>
+        </p:nvGrpSpPr>
+        <p:grpSpPr>
+          <a:xfrm flipH="1" flipV="1">
+            <a:off x="-1545" y="3616960"/>
+            <a:ext cx="2981858" cy="3208867"/>
+            <a:chOff x="9206969" y="2963333"/>
+            <a:chExt cx="2981858" cy="3208867"/>
+          </a:xfrm>
+        </p:grpSpPr>
+        <p:cxnSp>
+          <p:nvCxnSpPr>
+            <p:cNvPr id="22" name="Straight Connector 21">
+              <a:extLst>
+                <a:ext uri="{FF2B5EF4-FFF2-40B4-BE49-F238E27FC236}">
+                  <a16:creationId xmlns:a16="http://schemas.microsoft.com/office/drawing/2014/main" id="{4EA9C585-4E28-462A-87F6-5DAE4618F584}"/>
+                </a:ext>
+                <a:ext uri="{C183D7F6-B498-43B3-948B-1728B52AA6E4}">
+                  <adec:decorative xmlns:adec="http://schemas.microsoft.com/office/drawing/2017/decorative" val="1"/>
+                </a:ext>
+              </a:extLst>
+            </p:cNvPr>
+            <p:cNvCxnSpPr/>
+            <p:nvPr>
+              <p:extLst>
+                <p:ext uri="{386F3935-93C4-4BCD-93E2-E3B085C9AB24}">
+                  <p16:designElem xmlns:p16="http://schemas.microsoft.com/office/powerpoint/2015/main" val="1"/>
+                </p:ext>
+              </p:extLst>
+            </p:nvPr>
+          </p:nvCxnSpPr>
+          <p:spPr>
+            <a:xfrm flipH="1">
+              <a:off x="11276012" y="2963333"/>
+              <a:ext cx="912814" cy="912812"/>
+            </a:xfrm>
+            <a:prstGeom prst="line">
+              <a:avLst/>
+            </a:prstGeom>
+            <a:ln w="9525">
+              <a:solidFill>
+                <a:srgbClr val="FFFFFF"/>
+              </a:solidFill>
+            </a:ln>
+          </p:spPr>
+          <p:style>
+            <a:lnRef idx="2">
+              <a:schemeClr val="accent1"/>
+            </a:lnRef>
+            <a:fillRef idx="0">
+              <a:schemeClr val="accent1"/>
+            </a:fillRef>
+            <a:effectRef idx="1">
+              <a:schemeClr val="accent1"/>
+            </a:effectRef>
+            <a:fontRef idx="minor">
+              <a:schemeClr val="tx1"/>
+            </a:fontRef>
+          </p:style>
+        </p:cxnSp>
+        <p:cxnSp>
+          <p:nvCxnSpPr>
+            <p:cNvPr id="23" name="Straight Connector 22">
+              <a:extLst>
+                <a:ext uri="{FF2B5EF4-FFF2-40B4-BE49-F238E27FC236}">
+                  <a16:creationId xmlns:a16="http://schemas.microsoft.com/office/drawing/2014/main" id="{B2132892-CDD1-4110-A551-E8995B9C84DB}"/>
+                </a:ext>
+                <a:ext uri="{C183D7F6-B498-43B3-948B-1728B52AA6E4}">
+                  <adec:decorative xmlns:adec="http://schemas.microsoft.com/office/drawing/2017/decorative" val="1"/>
+                </a:ext>
+              </a:extLst>
+            </p:cNvPr>
+            <p:cNvCxnSpPr/>
+            <p:nvPr>
+              <p:extLst>
+                <p:ext uri="{386F3935-93C4-4BCD-93E2-E3B085C9AB24}">
+                  <p16:designElem xmlns:p16="http://schemas.microsoft.com/office/powerpoint/2015/main" val="1"/>
+                </p:ext>
+              </p:extLst>
+            </p:nvPr>
+          </p:nvCxnSpPr>
+          <p:spPr>
+            <a:xfrm flipH="1">
+              <a:off x="9206969" y="3190344"/>
+              <a:ext cx="2981857" cy="2981856"/>
+            </a:xfrm>
+            <a:prstGeom prst="line">
+              <a:avLst/>
+            </a:prstGeom>
+            <a:ln w="9525">
+              <a:solidFill>
+                <a:srgbClr val="FFFFFF"/>
+              </a:solidFill>
+            </a:ln>
+          </p:spPr>
+          <p:style>
+            <a:lnRef idx="2">
+              <a:schemeClr val="accent1"/>
+            </a:lnRef>
+            <a:fillRef idx="0">
+              <a:schemeClr val="accent1"/>
+            </a:fillRef>
+            <a:effectRef idx="1">
+              <a:schemeClr val="accent1"/>
+            </a:effectRef>
+            <a:fontRef idx="minor">
+              <a:schemeClr val="tx1"/>
+            </a:fontRef>
+          </p:style>
+        </p:cxnSp>
+        <p:cxnSp>
+          <p:nvCxnSpPr>
+            <p:cNvPr id="24" name="Straight Connector 23">
+              <a:extLst>
+                <a:ext uri="{FF2B5EF4-FFF2-40B4-BE49-F238E27FC236}">
+                  <a16:creationId xmlns:a16="http://schemas.microsoft.com/office/drawing/2014/main" id="{200D3AD0-51AB-4A60-897B-2C882DD9DFEB}"/>
+                </a:ext>
+                <a:ext uri="{C183D7F6-B498-43B3-948B-1728B52AA6E4}">
+                  <adec:decorative xmlns:adec="http://schemas.microsoft.com/office/drawing/2017/decorative" val="1"/>
+                </a:ext>
+              </a:extLst>
+            </p:cNvPr>
+            <p:cNvCxnSpPr/>
+            <p:nvPr>
+              <p:extLst>
+                <p:ext uri="{386F3935-93C4-4BCD-93E2-E3B085C9AB24}">
+                  <p16:designElem xmlns:p16="http://schemas.microsoft.com/office/powerpoint/2015/main" val="1"/>
+                </p:ext>
+              </p:extLst>
+            </p:nvPr>
+          </p:nvCxnSpPr>
+          <p:spPr>
+            <a:xfrm flipH="1">
+              <a:off x="10292292" y="3285067"/>
+              <a:ext cx="1896534" cy="1896533"/>
+            </a:xfrm>
+            <a:prstGeom prst="line">
+              <a:avLst/>
+            </a:prstGeom>
+            <a:ln w="9525">
+              <a:solidFill>
+                <a:srgbClr val="FFFFFF"/>
+              </a:solidFill>
+            </a:ln>
+          </p:spPr>
+          <p:style>
+            <a:lnRef idx="2">
+              <a:schemeClr val="accent1"/>
+            </a:lnRef>
+            <a:fillRef idx="0">
+              <a:schemeClr val="accent1"/>
+            </a:fillRef>
+            <a:effectRef idx="1">
+              <a:schemeClr val="accent1"/>
+            </a:effectRef>
+            <a:fontRef idx="minor">
+              <a:schemeClr val="tx1"/>
+            </a:fontRef>
+          </p:style>
+        </p:cxnSp>
+        <p:cxnSp>
+          <p:nvCxnSpPr>
+            <p:cNvPr id="25" name="Straight Connector 24">
+              <a:extLst>
+                <a:ext uri="{FF2B5EF4-FFF2-40B4-BE49-F238E27FC236}">
+                  <a16:creationId xmlns:a16="http://schemas.microsoft.com/office/drawing/2014/main" id="{9412BC74-F804-404D-AC67-A90A683396B8}"/>
+                </a:ext>
+                <a:ext uri="{C183D7F6-B498-43B3-948B-1728B52AA6E4}">
+                  <adec:decorative xmlns:adec="http://schemas.microsoft.com/office/drawing/2017/decorative" val="1"/>
+                </a:ext>
+              </a:extLst>
+            </p:cNvPr>
+            <p:cNvCxnSpPr/>
+            <p:nvPr>
+              <p:extLst>
+                <p:ext uri="{386F3935-93C4-4BCD-93E2-E3B085C9AB24}">
+                  <p16:designElem xmlns:p16="http://schemas.microsoft.com/office/powerpoint/2015/main" val="1"/>
+                </p:ext>
+              </p:extLst>
+            </p:nvPr>
+          </p:nvCxnSpPr>
+          <p:spPr>
+            <a:xfrm flipH="1">
+              <a:off x="10443103" y="3131080"/>
+              <a:ext cx="1745722" cy="1745720"/>
+            </a:xfrm>
+            <a:prstGeom prst="line">
+              <a:avLst/>
+            </a:prstGeom>
+            <a:ln w="28575">
+              <a:solidFill>
+                <a:srgbClr val="FFFFFF"/>
+              </a:solidFill>
+            </a:ln>
+          </p:spPr>
+          <p:style>
+            <a:lnRef idx="2">
+              <a:schemeClr val="accent1"/>
+            </a:lnRef>
+            <a:fillRef idx="0">
+              <a:schemeClr val="accent1"/>
+            </a:fillRef>
+            <a:effectRef idx="1">
+              <a:schemeClr val="accent1"/>
+            </a:effectRef>
+            <a:fontRef idx="minor">
+              <a:schemeClr val="tx1"/>
+            </a:fontRef>
+          </p:style>
+        </p:cxnSp>
+        <p:cxnSp>
+          <p:nvCxnSpPr>
+            <p:cNvPr id="26" name="Straight Connector 25">
+              <a:extLst>
+                <a:ext uri="{FF2B5EF4-FFF2-40B4-BE49-F238E27FC236}">
+                  <a16:creationId xmlns:a16="http://schemas.microsoft.com/office/drawing/2014/main" id="{6CC40DBE-43EE-4FBE-B0BD-FC5390557D81}"/>
+                </a:ext>
+                <a:ext uri="{C183D7F6-B498-43B3-948B-1728B52AA6E4}">
+                  <adec:decorative xmlns:adec="http://schemas.microsoft.com/office/drawing/2017/decorative" val="1"/>
+                </a:ext>
+              </a:extLst>
+            </p:cNvPr>
+            <p:cNvCxnSpPr/>
+            <p:nvPr>
+              <p:extLst>
+                <p:ext uri="{386F3935-93C4-4BCD-93E2-E3B085C9AB24}">
+                  <p16:designElem xmlns:p16="http://schemas.microsoft.com/office/powerpoint/2015/main" val="1"/>
+                </p:ext>
+              </p:extLst>
+            </p:nvPr>
+          </p:nvCxnSpPr>
+          <p:spPr>
+            <a:xfrm flipH="1">
+              <a:off x="10918826" y="3683001"/>
+              <a:ext cx="1270001" cy="1269999"/>
+            </a:xfrm>
+            <a:prstGeom prst="line">
+              <a:avLst/>
+            </a:prstGeom>
+            <a:ln w="28575">
+              <a:solidFill>
+                <a:srgbClr val="FFFFFF"/>
+              </a:solidFill>
+            </a:ln>
+          </p:spPr>
+          <p:style>
+            <a:lnRef idx="2">
+              <a:schemeClr val="accent1"/>
+            </a:lnRef>
+            <a:fillRef idx="0">
+              <a:schemeClr val="accent1"/>
+            </a:fillRef>
+            <a:effectRef idx="1">
+              <a:schemeClr val="accent1"/>
+            </a:effectRef>
+            <a:fontRef idx="minor">
+              <a:schemeClr val="tx1"/>
+            </a:fontRef>
+          </p:style>
+        </p:cxnSp>
+      </p:grpSp>
     </p:spTree>
     <p:extLst>
       <p:ext uri="{BB962C8B-B14F-4D97-AF65-F5344CB8AC3E}">
@@ -5864,13 +6899,6 @@
   <p:clrMapOvr>
     <a:masterClrMapping/>
   </p:clrMapOvr>
-  <p:timing>
-    <p:tnLst>
-      <p:par>
-        <p:cTn id="1" dur="indefinite" restart="never" nodeType="tmRoot"/>
-      </p:par>
-    </p:tnLst>
-  </p:timing>
 </p:sld>
 </file>
 
@@ -5901,13 +6929,18 @@
             <p:ph type="title"/>
           </p:nvPr>
         </p:nvSpPr>
-        <p:spPr/>
+        <p:spPr>
+          <a:xfrm>
+            <a:off x="684212" y="4487332"/>
+            <a:ext cx="8534400" cy="1507067"/>
+          </a:xfrm>
+        </p:spPr>
         <p:txBody>
           <a:bodyPr/>
           <a:lstStyle/>
           <a:p>
             <a:r>
-              <a:rPr lang="bg-BG" dirty="0" smtClean="0"/>
+              <a:rPr lang="bg-BG"/>
               <a:t>Меню при стартиране</a:t>
             </a:r>
             <a:endParaRPr lang="bg-BG" dirty="0"/>
@@ -5941,8 +6974,18 @@
             <a:off x="684212" y="1214846"/>
             <a:ext cx="4480289" cy="2634678"/>
           </a:xfrm>
+          <a:prstGeom prst="rect">
+            <a:avLst/>
+          </a:prstGeom>
+          <a:ln>
+            <a:noFill/>
+          </a:ln>
           <a:effectLst>
-            <a:softEdge rad="31750"/>
+            <a:outerShdw blurRad="292100" dist="139700" dir="2700000" algn="tl" rotWithShape="0">
+              <a:srgbClr val="333333">
+                <a:alpha val="65000"/>
+              </a:srgbClr>
+            </a:outerShdw>
           </a:effectLst>
         </p:spPr>
       </p:pic>
@@ -5968,14 +7011,21 @@
         </p:blipFill>
         <p:spPr>
           <a:xfrm>
-            <a:off x="6640900" y="1212017"/>
+            <a:off x="6670396" y="1235604"/>
             <a:ext cx="4480289" cy="2637507"/>
           </a:xfrm>
           <a:prstGeom prst="rect">
             <a:avLst/>
           </a:prstGeom>
+          <a:ln>
+            <a:noFill/>
+          </a:ln>
           <a:effectLst>
-            <a:softEdge rad="31750"/>
+            <a:outerShdw blurRad="292100" dist="139700" dir="2700000" algn="tl" rotWithShape="0">
+              <a:srgbClr val="333333">
+                <a:alpha val="65000"/>
+              </a:srgbClr>
+            </a:outerShdw>
           </a:effectLst>
         </p:spPr>
       </p:pic>
@@ -5989,13 +7039,6 @@
   <p:clrMapOvr>
     <a:masterClrMapping/>
   </p:clrMapOvr>
-  <p:timing>
-    <p:tnLst>
-      <p:par>
-        <p:cTn id="1" dur="indefinite" restart="never" nodeType="tmRoot"/>
-      </p:par>
-    </p:tnLst>
-  </p:timing>
 </p:sld>
 </file>
 
